--- a/Structure/website template.pptx
+++ b/Structure/website template.pptx
@@ -6,6 +6,8 @@
   </p:sldMasterIdLst>
   <p:sldIdLst>
     <p:sldId id="257" r:id="rId2"/>
+    <p:sldId id="258" r:id="rId3"/>
+    <p:sldId id="259" r:id="rId4"/>
   </p:sldIdLst>
   <p:sldSz cx="12192000" cy="6858000"/>
   <p:notesSz cx="6858000" cy="9144000"/>
@@ -259,7 +261,7 @@
           <a:p>
             <a:fld id="{72A28554-B4A5-4CA1-9813-86FC5337F85E}" type="datetimeFigureOut">
               <a:rPr lang="en-US" smtClean="0"/>
-              <a:t>7/29/2025</a:t>
+              <a:t>8/23/2025</a:t>
             </a:fld>
             <a:endParaRPr lang="en-US"/>
           </a:p>
@@ -457,7 +459,7 @@
           <a:p>
             <a:fld id="{72A28554-B4A5-4CA1-9813-86FC5337F85E}" type="datetimeFigureOut">
               <a:rPr lang="en-US" smtClean="0"/>
-              <a:t>7/29/2025</a:t>
+              <a:t>8/23/2025</a:t>
             </a:fld>
             <a:endParaRPr lang="en-US"/>
           </a:p>
@@ -665,7 +667,7 @@
           <a:p>
             <a:fld id="{72A28554-B4A5-4CA1-9813-86FC5337F85E}" type="datetimeFigureOut">
               <a:rPr lang="en-US" smtClean="0"/>
-              <a:t>7/29/2025</a:t>
+              <a:t>8/23/2025</a:t>
             </a:fld>
             <a:endParaRPr lang="en-US"/>
           </a:p>
@@ -863,7 +865,7 @@
           <a:p>
             <a:fld id="{72A28554-B4A5-4CA1-9813-86FC5337F85E}" type="datetimeFigureOut">
               <a:rPr lang="en-US" smtClean="0"/>
-              <a:t>7/29/2025</a:t>
+              <a:t>8/23/2025</a:t>
             </a:fld>
             <a:endParaRPr lang="en-US"/>
           </a:p>
@@ -1138,7 +1140,7 @@
           <a:p>
             <a:fld id="{72A28554-B4A5-4CA1-9813-86FC5337F85E}" type="datetimeFigureOut">
               <a:rPr lang="en-US" smtClean="0"/>
-              <a:t>7/29/2025</a:t>
+              <a:t>8/23/2025</a:t>
             </a:fld>
             <a:endParaRPr lang="en-US"/>
           </a:p>
@@ -1403,7 +1405,7 @@
           <a:p>
             <a:fld id="{72A28554-B4A5-4CA1-9813-86FC5337F85E}" type="datetimeFigureOut">
               <a:rPr lang="en-US" smtClean="0"/>
-              <a:t>7/29/2025</a:t>
+              <a:t>8/23/2025</a:t>
             </a:fld>
             <a:endParaRPr lang="en-US"/>
           </a:p>
@@ -1815,7 +1817,7 @@
           <a:p>
             <a:fld id="{72A28554-B4A5-4CA1-9813-86FC5337F85E}" type="datetimeFigureOut">
               <a:rPr lang="en-US" smtClean="0"/>
-              <a:t>7/29/2025</a:t>
+              <a:t>8/23/2025</a:t>
             </a:fld>
             <a:endParaRPr lang="en-US"/>
           </a:p>
@@ -1956,7 +1958,7 @@
           <a:p>
             <a:fld id="{72A28554-B4A5-4CA1-9813-86FC5337F85E}" type="datetimeFigureOut">
               <a:rPr lang="en-US" smtClean="0"/>
-              <a:t>7/29/2025</a:t>
+              <a:t>8/23/2025</a:t>
             </a:fld>
             <a:endParaRPr lang="en-US"/>
           </a:p>
@@ -2069,7 +2071,7 @@
           <a:p>
             <a:fld id="{72A28554-B4A5-4CA1-9813-86FC5337F85E}" type="datetimeFigureOut">
               <a:rPr lang="en-US" smtClean="0"/>
-              <a:t>7/29/2025</a:t>
+              <a:t>8/23/2025</a:t>
             </a:fld>
             <a:endParaRPr lang="en-US"/>
           </a:p>
@@ -2380,7 +2382,7 @@
           <a:p>
             <a:fld id="{72A28554-B4A5-4CA1-9813-86FC5337F85E}" type="datetimeFigureOut">
               <a:rPr lang="en-US" smtClean="0"/>
-              <a:t>7/29/2025</a:t>
+              <a:t>8/23/2025</a:t>
             </a:fld>
             <a:endParaRPr lang="en-US"/>
           </a:p>
@@ -2668,7 +2670,7 @@
           <a:p>
             <a:fld id="{72A28554-B4A5-4CA1-9813-86FC5337F85E}" type="datetimeFigureOut">
               <a:rPr lang="en-US" smtClean="0"/>
-              <a:t>7/29/2025</a:t>
+              <a:t>8/23/2025</a:t>
             </a:fld>
             <a:endParaRPr lang="en-US"/>
           </a:p>
@@ -2909,7 +2911,7 @@
           <a:p>
             <a:fld id="{72A28554-B4A5-4CA1-9813-86FC5337F85E}" type="datetimeFigureOut">
               <a:rPr lang="en-US" smtClean="0"/>
-              <a:t>7/29/2025</a:t>
+              <a:t>8/23/2025</a:t>
             </a:fld>
             <a:endParaRPr lang="en-US"/>
           </a:p>
@@ -4211,6 +4213,1470 @@
     <p:extLst>
       <p:ext uri="{BB962C8B-B14F-4D97-AF65-F5344CB8AC3E}">
         <p14:creationId xmlns:p14="http://schemas.microsoft.com/office/powerpoint/2010/main" val="742488756"/>
+      </p:ext>
+    </p:extLst>
+  </p:cSld>
+  <p:clrMapOvr>
+    <a:masterClrMapping/>
+  </p:clrMapOvr>
+</p:sld>
+</file>
+
+<file path=ppt/slides/slide2.xml><?xml version="1.0" encoding="utf-8"?>
+<p:sld xmlns:a="http://schemas.openxmlformats.org/drawingml/2006/main" xmlns:r="http://schemas.openxmlformats.org/officeDocument/2006/relationships" xmlns:p="http://schemas.openxmlformats.org/presentationml/2006/main">
+  <p:cSld>
+    <p:spTree>
+      <p:nvGrpSpPr>
+        <p:cNvPr id="1" name=""/>
+        <p:cNvGrpSpPr/>
+        <p:nvPr/>
+      </p:nvGrpSpPr>
+      <p:grpSpPr>
+        <a:xfrm>
+          <a:off x="0" y="0"/>
+          <a:ext cx="0" cy="0"/>
+          <a:chOff x="0" y="0"/>
+          <a:chExt cx="0" cy="0"/>
+        </a:xfrm>
+      </p:grpSpPr>
+      <p:pic>
+        <p:nvPicPr>
+          <p:cNvPr id="3" name="Picture 2">
+            <a:extLst>
+              <a:ext uri="{FF2B5EF4-FFF2-40B4-BE49-F238E27FC236}">
+                <a16:creationId xmlns:a16="http://schemas.microsoft.com/office/drawing/2014/main" id="{97A56E64-A382-204E-F7AD-E89A5CBD2797}"/>
+              </a:ext>
+            </a:extLst>
+          </p:cNvPr>
+          <p:cNvPicPr>
+            <a:picLocks noChangeAspect="1"/>
+          </p:cNvPicPr>
+          <p:nvPr/>
+        </p:nvPicPr>
+        <p:blipFill>
+          <a:blip r:embed="rId2"/>
+          <a:srcRect r="5025" b="4775"/>
+          <a:stretch>
+            <a:fillRect/>
+          </a:stretch>
+        </p:blipFill>
+        <p:spPr>
+          <a:xfrm>
+            <a:off x="0" y="0"/>
+            <a:ext cx="12186650" cy="6083929"/>
+          </a:xfrm>
+          <a:prstGeom prst="rect">
+            <a:avLst/>
+          </a:prstGeom>
+        </p:spPr>
+      </p:pic>
+      <p:sp>
+        <p:nvSpPr>
+          <p:cNvPr id="4" name="Rectangle: Rounded Corners 3">
+            <a:extLst>
+              <a:ext uri="{FF2B5EF4-FFF2-40B4-BE49-F238E27FC236}">
+                <a16:creationId xmlns:a16="http://schemas.microsoft.com/office/drawing/2014/main" id="{272EBEC6-BBA3-A441-74A2-42B0F2C2233B}"/>
+              </a:ext>
+            </a:extLst>
+          </p:cNvPr>
+          <p:cNvSpPr/>
+          <p:nvPr/>
+        </p:nvSpPr>
+        <p:spPr>
+          <a:xfrm>
+            <a:off x="0" y="1104523"/>
+            <a:ext cx="5106154" cy="3539905"/>
+          </a:xfrm>
+          <a:prstGeom prst="roundRect">
+            <a:avLst>
+              <a:gd name="adj" fmla="val 2601"/>
+            </a:avLst>
+          </a:prstGeom>
+          <a:solidFill>
+            <a:schemeClr val="bg1"/>
+          </a:solidFill>
+        </p:spPr>
+        <p:style>
+          <a:lnRef idx="2">
+            <a:schemeClr val="accent1">
+              <a:shade val="15000"/>
+            </a:schemeClr>
+          </a:lnRef>
+          <a:fillRef idx="1">
+            <a:schemeClr val="accent1"/>
+          </a:fillRef>
+          <a:effectRef idx="0">
+            <a:schemeClr val="accent1"/>
+          </a:effectRef>
+          <a:fontRef idx="minor">
+            <a:schemeClr val="lt1"/>
+          </a:fontRef>
+        </p:style>
+        <p:txBody>
+          <a:bodyPr rtlCol="0" anchor="ctr"/>
+          <a:lstStyle/>
+          <a:p>
+            <a:pPr algn="ctr"/>
+            <a:r>
+              <a:rPr lang="en-US" dirty="0"/>
+              <a:t>d</a:t>
+            </a:r>
+          </a:p>
+        </p:txBody>
+      </p:sp>
+      <p:pic>
+        <p:nvPicPr>
+          <p:cNvPr id="6" name="Picture 5" descr="A green battery with black background&#10;&#10;AI-generated content may be incorrect.">
+            <a:extLst>
+              <a:ext uri="{FF2B5EF4-FFF2-40B4-BE49-F238E27FC236}">
+                <a16:creationId xmlns:a16="http://schemas.microsoft.com/office/drawing/2014/main" id="{08E88218-8E04-4317-3B97-184E793006DA}"/>
+              </a:ext>
+            </a:extLst>
+          </p:cNvPr>
+          <p:cNvPicPr>
+            <a:picLocks noChangeAspect="1"/>
+          </p:cNvPicPr>
+          <p:nvPr/>
+        </p:nvPicPr>
+        <p:blipFill>
+          <a:blip r:embed="rId3">
+            <a:extLst>
+              <a:ext uri="{28A0092B-C50C-407E-A947-70E740481C1C}">
+                <a14:useLocalDpi xmlns:a14="http://schemas.microsoft.com/office/drawing/2010/main" val="0"/>
+              </a:ext>
+            </a:extLst>
+          </a:blip>
+          <a:stretch>
+            <a:fillRect/>
+          </a:stretch>
+        </p:blipFill>
+        <p:spPr>
+          <a:xfrm>
+            <a:off x="149777" y="3739231"/>
+            <a:ext cx="668825" cy="668825"/>
+          </a:xfrm>
+          <a:prstGeom prst="rect">
+            <a:avLst/>
+          </a:prstGeom>
+        </p:spPr>
+      </p:pic>
+      <p:pic>
+        <p:nvPicPr>
+          <p:cNvPr id="8" name="Picture 7" descr="A map with a pin on it&#10;&#10;AI-generated content may be incorrect.">
+            <a:extLst>
+              <a:ext uri="{FF2B5EF4-FFF2-40B4-BE49-F238E27FC236}">
+                <a16:creationId xmlns:a16="http://schemas.microsoft.com/office/drawing/2014/main" id="{21E530B5-C72A-FC33-A381-DE7257E29C24}"/>
+              </a:ext>
+            </a:extLst>
+          </p:cNvPr>
+          <p:cNvPicPr>
+            <a:picLocks noChangeAspect="1"/>
+          </p:cNvPicPr>
+          <p:nvPr/>
+        </p:nvPicPr>
+        <p:blipFill>
+          <a:blip r:embed="rId4">
+            <a:extLst>
+              <a:ext uri="{28A0092B-C50C-407E-A947-70E740481C1C}">
+                <a14:useLocalDpi xmlns:a14="http://schemas.microsoft.com/office/drawing/2010/main" val="0"/>
+              </a:ext>
+            </a:extLst>
+          </a:blip>
+          <a:stretch>
+            <a:fillRect/>
+          </a:stretch>
+        </p:blipFill>
+        <p:spPr>
+          <a:xfrm>
+            <a:off x="234517" y="2023875"/>
+            <a:ext cx="542358" cy="542358"/>
+          </a:xfrm>
+          <a:prstGeom prst="rect">
+            <a:avLst/>
+          </a:prstGeom>
+        </p:spPr>
+      </p:pic>
+      <p:pic>
+        <p:nvPicPr>
+          <p:cNvPr id="10" name="Picture 9" descr="A black background with a black square&#10;&#10;AI-generated content may be incorrect.">
+            <a:extLst>
+              <a:ext uri="{FF2B5EF4-FFF2-40B4-BE49-F238E27FC236}">
+                <a16:creationId xmlns:a16="http://schemas.microsoft.com/office/drawing/2014/main" id="{D9734E45-10BA-D70F-CB4C-63DB25002E92}"/>
+              </a:ext>
+            </a:extLst>
+          </p:cNvPr>
+          <p:cNvPicPr>
+            <a:picLocks noChangeAspect="1"/>
+          </p:cNvPicPr>
+          <p:nvPr/>
+        </p:nvPicPr>
+        <p:blipFill>
+          <a:blip r:embed="rId5">
+            <a:extLst>
+              <a:ext uri="{28A0092B-C50C-407E-A947-70E740481C1C}">
+                <a14:useLocalDpi xmlns:a14="http://schemas.microsoft.com/office/drawing/2010/main" val="0"/>
+              </a:ext>
+            </a:extLst>
+          </a:blip>
+          <a:stretch>
+            <a:fillRect/>
+          </a:stretch>
+        </p:blipFill>
+        <p:spPr>
+          <a:xfrm>
+            <a:off x="4160913" y="2796489"/>
+            <a:ext cx="644070" cy="644070"/>
+          </a:xfrm>
+          <a:prstGeom prst="rect">
+            <a:avLst/>
+          </a:prstGeom>
+        </p:spPr>
+      </p:pic>
+      <p:pic>
+        <p:nvPicPr>
+          <p:cNvPr id="16" name="Picture 15" descr="A clock with a blue border&#10;&#10;AI-generated content may be incorrect.">
+            <a:extLst>
+              <a:ext uri="{FF2B5EF4-FFF2-40B4-BE49-F238E27FC236}">
+                <a16:creationId xmlns:a16="http://schemas.microsoft.com/office/drawing/2014/main" id="{36CE0A37-2CD6-4565-8E20-542D8886A9B8}"/>
+              </a:ext>
+            </a:extLst>
+          </p:cNvPr>
+          <p:cNvPicPr>
+            <a:picLocks noChangeAspect="1"/>
+          </p:cNvPicPr>
+          <p:nvPr/>
+        </p:nvPicPr>
+        <p:blipFill>
+          <a:blip r:embed="rId6">
+            <a:extLst>
+              <a:ext uri="{28A0092B-C50C-407E-A947-70E740481C1C}">
+                <a14:useLocalDpi xmlns:a14="http://schemas.microsoft.com/office/drawing/2010/main" val="0"/>
+              </a:ext>
+            </a:extLst>
+          </a:blip>
+          <a:stretch>
+            <a:fillRect/>
+          </a:stretch>
+        </p:blipFill>
+        <p:spPr>
+          <a:xfrm>
+            <a:off x="149778" y="1204128"/>
+            <a:ext cx="668825" cy="668825"/>
+          </a:xfrm>
+          <a:prstGeom prst="rect">
+            <a:avLst/>
+          </a:prstGeom>
+        </p:spPr>
+      </p:pic>
+      <p:pic>
+        <p:nvPicPr>
+          <p:cNvPr id="20" name="Picture 19" descr="A yellow padlock with a keyhole&#10;&#10;AI-generated content may be incorrect.">
+            <a:extLst>
+              <a:ext uri="{FF2B5EF4-FFF2-40B4-BE49-F238E27FC236}">
+                <a16:creationId xmlns:a16="http://schemas.microsoft.com/office/drawing/2014/main" id="{87ABB413-8D2C-ADF1-68B1-DB9F6340945B}"/>
+              </a:ext>
+            </a:extLst>
+          </p:cNvPr>
+          <p:cNvPicPr>
+            <a:picLocks noChangeAspect="1"/>
+          </p:cNvPicPr>
+          <p:nvPr/>
+        </p:nvPicPr>
+        <p:blipFill>
+          <a:blip r:embed="rId7">
+            <a:extLst>
+              <a:ext uri="{28A0092B-C50C-407E-A947-70E740481C1C}">
+                <a14:useLocalDpi xmlns:a14="http://schemas.microsoft.com/office/drawing/2010/main" val="0"/>
+              </a:ext>
+            </a:extLst>
+          </a:blip>
+          <a:stretch>
+            <a:fillRect/>
+          </a:stretch>
+        </p:blipFill>
+        <p:spPr>
+          <a:xfrm>
+            <a:off x="234517" y="2881553"/>
+            <a:ext cx="542358" cy="542358"/>
+          </a:xfrm>
+          <a:prstGeom prst="rect">
+            <a:avLst/>
+          </a:prstGeom>
+        </p:spPr>
+      </p:pic>
+      <p:pic>
+        <p:nvPicPr>
+          <p:cNvPr id="32" name="Picture 31" descr="A green wifi symbol on a black background&#10;&#10;AI-generated content may be incorrect.">
+            <a:extLst>
+              <a:ext uri="{FF2B5EF4-FFF2-40B4-BE49-F238E27FC236}">
+                <a16:creationId xmlns:a16="http://schemas.microsoft.com/office/drawing/2014/main" id="{461F1412-1E1D-A047-AAF9-07E465C0C6EF}"/>
+              </a:ext>
+            </a:extLst>
+          </p:cNvPr>
+          <p:cNvPicPr>
+            <a:picLocks noChangeAspect="1"/>
+          </p:cNvPicPr>
+          <p:nvPr/>
+        </p:nvPicPr>
+        <p:blipFill>
+          <a:blip r:embed="rId8">
+            <a:extLst>
+              <a:ext uri="{28A0092B-C50C-407E-A947-70E740481C1C}">
+                <a14:useLocalDpi xmlns:a14="http://schemas.microsoft.com/office/drawing/2010/main" val="0"/>
+              </a:ext>
+            </a:extLst>
+          </a:blip>
+          <a:stretch>
+            <a:fillRect/>
+          </a:stretch>
+        </p:blipFill>
+        <p:spPr>
+          <a:xfrm>
+            <a:off x="4081783" y="3853922"/>
+            <a:ext cx="554134" cy="554134"/>
+          </a:xfrm>
+          <a:prstGeom prst="rect">
+            <a:avLst/>
+          </a:prstGeom>
+        </p:spPr>
+      </p:pic>
+      <p:sp>
+        <p:nvSpPr>
+          <p:cNvPr id="37" name="TextBox 36">
+            <a:extLst>
+              <a:ext uri="{FF2B5EF4-FFF2-40B4-BE49-F238E27FC236}">
+                <a16:creationId xmlns:a16="http://schemas.microsoft.com/office/drawing/2014/main" id="{4321C3DA-7AC2-F1CA-447C-6FD1950E26EF}"/>
+              </a:ext>
+            </a:extLst>
+          </p:cNvPr>
+          <p:cNvSpPr txBox="1"/>
+          <p:nvPr/>
+        </p:nvSpPr>
+        <p:spPr>
+          <a:xfrm>
+            <a:off x="818602" y="2146420"/>
+            <a:ext cx="976934" cy="461665"/>
+          </a:xfrm>
+          <a:prstGeom prst="rect">
+            <a:avLst/>
+          </a:prstGeom>
+          <a:noFill/>
+        </p:spPr>
+        <p:txBody>
+          <a:bodyPr wrap="none" rtlCol="0">
+            <a:spAutoFit/>
+          </a:bodyPr>
+          <a:lstStyle/>
+          <a:p>
+            <a:r>
+              <a:rPr lang="en-US" sz="1200" dirty="0"/>
+              <a:t>Latitude: -</a:t>
+            </a:r>
+          </a:p>
+          <a:p>
+            <a:r>
+              <a:rPr lang="en-US" sz="1200" dirty="0"/>
+              <a:t>Longitude: -</a:t>
+            </a:r>
+          </a:p>
+        </p:txBody>
+      </p:sp>
+      <p:sp>
+        <p:nvSpPr>
+          <p:cNvPr id="38" name="TextBox 37">
+            <a:extLst>
+              <a:ext uri="{FF2B5EF4-FFF2-40B4-BE49-F238E27FC236}">
+                <a16:creationId xmlns:a16="http://schemas.microsoft.com/office/drawing/2014/main" id="{08E52FD1-DF26-6675-04D7-D62D7D384901}"/>
+              </a:ext>
+            </a:extLst>
+          </p:cNvPr>
+          <p:cNvSpPr txBox="1"/>
+          <p:nvPr/>
+        </p:nvSpPr>
+        <p:spPr>
+          <a:xfrm>
+            <a:off x="818602" y="1400040"/>
+            <a:ext cx="987771" cy="276999"/>
+          </a:xfrm>
+          <a:prstGeom prst="rect">
+            <a:avLst/>
+          </a:prstGeom>
+          <a:noFill/>
+        </p:spPr>
+        <p:txBody>
+          <a:bodyPr wrap="none" rtlCol="0">
+            <a:spAutoFit/>
+          </a:bodyPr>
+          <a:lstStyle/>
+          <a:p>
+            <a:r>
+              <a:rPr lang="en-US" sz="1200" dirty="0"/>
+              <a:t>Time: --:--:--</a:t>
+            </a:r>
+          </a:p>
+        </p:txBody>
+      </p:sp>
+      <p:sp>
+        <p:nvSpPr>
+          <p:cNvPr id="39" name="TextBox 38">
+            <a:extLst>
+              <a:ext uri="{FF2B5EF4-FFF2-40B4-BE49-F238E27FC236}">
+                <a16:creationId xmlns:a16="http://schemas.microsoft.com/office/drawing/2014/main" id="{25260AFE-D63E-CBFB-29F6-A5FB57B5E09F}"/>
+              </a:ext>
+            </a:extLst>
+          </p:cNvPr>
+          <p:cNvSpPr txBox="1"/>
+          <p:nvPr/>
+        </p:nvSpPr>
+        <p:spPr>
+          <a:xfrm>
+            <a:off x="818602" y="3077466"/>
+            <a:ext cx="950068" cy="276999"/>
+          </a:xfrm>
+          <a:prstGeom prst="rect">
+            <a:avLst/>
+          </a:prstGeom>
+          <a:noFill/>
+        </p:spPr>
+        <p:txBody>
+          <a:bodyPr wrap="none" rtlCol="0">
+            <a:spAutoFit/>
+          </a:bodyPr>
+          <a:lstStyle/>
+          <a:p>
+            <a:r>
+              <a:rPr lang="en-US" sz="1200" dirty="0"/>
+              <a:t>Lock status</a:t>
+            </a:r>
+          </a:p>
+        </p:txBody>
+      </p:sp>
+      <p:sp>
+        <p:nvSpPr>
+          <p:cNvPr id="41" name="TextBox 40">
+            <a:extLst>
+              <a:ext uri="{FF2B5EF4-FFF2-40B4-BE49-F238E27FC236}">
+                <a16:creationId xmlns:a16="http://schemas.microsoft.com/office/drawing/2014/main" id="{81FCA3BE-DA93-775E-2847-6476C88553CA}"/>
+              </a:ext>
+            </a:extLst>
+          </p:cNvPr>
+          <p:cNvSpPr txBox="1"/>
+          <p:nvPr/>
+        </p:nvSpPr>
+        <p:spPr>
+          <a:xfrm>
+            <a:off x="755910" y="3935143"/>
+            <a:ext cx="968727" cy="276999"/>
+          </a:xfrm>
+          <a:prstGeom prst="rect">
+            <a:avLst/>
+          </a:prstGeom>
+          <a:noFill/>
+        </p:spPr>
+        <p:txBody>
+          <a:bodyPr wrap="none" rtlCol="0">
+            <a:spAutoFit/>
+          </a:bodyPr>
+          <a:lstStyle/>
+          <a:p>
+            <a:r>
+              <a:rPr lang="en-US" sz="1200" dirty="0"/>
+              <a:t>Battery: --%</a:t>
+            </a:r>
+          </a:p>
+        </p:txBody>
+      </p:sp>
+    </p:spTree>
+    <p:extLst>
+      <p:ext uri="{BB962C8B-B14F-4D97-AF65-F5344CB8AC3E}">
+        <p14:creationId xmlns:p14="http://schemas.microsoft.com/office/powerpoint/2010/main" val="4286319542"/>
+      </p:ext>
+    </p:extLst>
+  </p:cSld>
+  <p:clrMapOvr>
+    <a:masterClrMapping/>
+  </p:clrMapOvr>
+</p:sld>
+</file>
+
+<file path=ppt/slides/slide3.xml><?xml version="1.0" encoding="utf-8"?>
+<p:sld xmlns:a="http://schemas.openxmlformats.org/drawingml/2006/main" xmlns:r="http://schemas.openxmlformats.org/officeDocument/2006/relationships" xmlns:p="http://schemas.openxmlformats.org/presentationml/2006/main">
+  <p:cSld>
+    <p:spTree>
+      <p:nvGrpSpPr>
+        <p:cNvPr id="1" name="">
+          <a:extLst>
+            <a:ext uri="{FF2B5EF4-FFF2-40B4-BE49-F238E27FC236}">
+              <a16:creationId xmlns:a16="http://schemas.microsoft.com/office/drawing/2014/main" id="{EA09E796-73F3-45C3-C27E-D4B4F7A03874}"/>
+            </a:ext>
+          </a:extLst>
+        </p:cNvPr>
+        <p:cNvGrpSpPr/>
+        <p:nvPr/>
+      </p:nvGrpSpPr>
+      <p:grpSpPr>
+        <a:xfrm>
+          <a:off x="0" y="0"/>
+          <a:ext cx="0" cy="0"/>
+          <a:chOff x="0" y="0"/>
+          <a:chExt cx="0" cy="0"/>
+        </a:xfrm>
+      </p:grpSpPr>
+      <p:pic>
+        <p:nvPicPr>
+          <p:cNvPr id="3" name="Picture 2">
+            <a:extLst>
+              <a:ext uri="{FF2B5EF4-FFF2-40B4-BE49-F238E27FC236}">
+                <a16:creationId xmlns:a16="http://schemas.microsoft.com/office/drawing/2014/main" id="{1FBD3C31-CFC9-167F-0087-D7856488583C}"/>
+              </a:ext>
+            </a:extLst>
+          </p:cNvPr>
+          <p:cNvPicPr>
+            <a:picLocks noChangeAspect="1"/>
+          </p:cNvPicPr>
+          <p:nvPr/>
+        </p:nvPicPr>
+        <p:blipFill>
+          <a:blip r:embed="rId2"/>
+          <a:srcRect r="5025" b="4775"/>
+          <a:stretch>
+            <a:fillRect/>
+          </a:stretch>
+        </p:blipFill>
+        <p:spPr>
+          <a:xfrm>
+            <a:off x="0" y="0"/>
+            <a:ext cx="12186650" cy="6083929"/>
+          </a:xfrm>
+          <a:prstGeom prst="rect">
+            <a:avLst/>
+          </a:prstGeom>
+        </p:spPr>
+      </p:pic>
+      <p:sp>
+        <p:nvSpPr>
+          <p:cNvPr id="4" name="Rectangle: Rounded Corners 3">
+            <a:extLst>
+              <a:ext uri="{FF2B5EF4-FFF2-40B4-BE49-F238E27FC236}">
+                <a16:creationId xmlns:a16="http://schemas.microsoft.com/office/drawing/2014/main" id="{172BC138-981E-0327-74C0-820EABAFC46F}"/>
+              </a:ext>
+            </a:extLst>
+          </p:cNvPr>
+          <p:cNvSpPr/>
+          <p:nvPr/>
+        </p:nvSpPr>
+        <p:spPr>
+          <a:xfrm>
+            <a:off x="0" y="1104524"/>
+            <a:ext cx="5106154" cy="2544024"/>
+          </a:xfrm>
+          <a:prstGeom prst="roundRect">
+            <a:avLst>
+              <a:gd name="adj" fmla="val 2601"/>
+            </a:avLst>
+          </a:prstGeom>
+          <a:solidFill>
+            <a:schemeClr val="bg1"/>
+          </a:solidFill>
+        </p:spPr>
+        <p:style>
+          <a:lnRef idx="2">
+            <a:schemeClr val="accent1">
+              <a:shade val="15000"/>
+            </a:schemeClr>
+          </a:lnRef>
+          <a:fillRef idx="1">
+            <a:schemeClr val="accent1"/>
+          </a:fillRef>
+          <a:effectRef idx="0">
+            <a:schemeClr val="accent1"/>
+          </a:effectRef>
+          <a:fontRef idx="minor">
+            <a:schemeClr val="lt1"/>
+          </a:fontRef>
+        </p:style>
+        <p:txBody>
+          <a:bodyPr rtlCol="0" anchor="ctr"/>
+          <a:lstStyle/>
+          <a:p>
+            <a:pPr algn="ctr"/>
+            <a:r>
+              <a:rPr lang="en-US" dirty="0"/>
+              <a:t>d</a:t>
+            </a:r>
+          </a:p>
+        </p:txBody>
+      </p:sp>
+      <p:sp>
+        <p:nvSpPr>
+          <p:cNvPr id="2" name="Rectangle: Rounded Corners 1">
+            <a:extLst>
+              <a:ext uri="{FF2B5EF4-FFF2-40B4-BE49-F238E27FC236}">
+                <a16:creationId xmlns:a16="http://schemas.microsoft.com/office/drawing/2014/main" id="{653B102F-0ADF-756A-5D93-A57779915322}"/>
+              </a:ext>
+            </a:extLst>
+          </p:cNvPr>
+          <p:cNvSpPr/>
+          <p:nvPr/>
+        </p:nvSpPr>
+        <p:spPr>
+          <a:xfrm>
+            <a:off x="184586" y="1221930"/>
+            <a:ext cx="2283329" cy="754842"/>
+          </a:xfrm>
+          <a:prstGeom prst="roundRect">
+            <a:avLst/>
+          </a:prstGeom>
+          <a:solidFill>
+            <a:schemeClr val="accent3">
+              <a:lumMod val="20000"/>
+              <a:lumOff val="80000"/>
+            </a:schemeClr>
+          </a:solidFill>
+        </p:spPr>
+        <p:style>
+          <a:lnRef idx="3">
+            <a:schemeClr val="lt1"/>
+          </a:lnRef>
+          <a:fillRef idx="1">
+            <a:schemeClr val="accent6"/>
+          </a:fillRef>
+          <a:effectRef idx="1">
+            <a:schemeClr val="accent6"/>
+          </a:effectRef>
+          <a:fontRef idx="minor">
+            <a:schemeClr val="lt1"/>
+          </a:fontRef>
+        </p:style>
+        <p:txBody>
+          <a:bodyPr rtlCol="0" anchor="ctr"/>
+          <a:lstStyle/>
+          <a:p>
+            <a:pPr algn="ctr"/>
+            <a:endParaRPr lang="en-US" dirty="0"/>
+          </a:p>
+        </p:txBody>
+      </p:sp>
+      <p:sp>
+        <p:nvSpPr>
+          <p:cNvPr id="7" name="TextBox 6">
+            <a:extLst>
+              <a:ext uri="{FF2B5EF4-FFF2-40B4-BE49-F238E27FC236}">
+                <a16:creationId xmlns:a16="http://schemas.microsoft.com/office/drawing/2014/main" id="{98B5F270-11AA-6355-8AFD-9A80064EC105}"/>
+              </a:ext>
+            </a:extLst>
+          </p:cNvPr>
+          <p:cNvSpPr txBox="1"/>
+          <p:nvPr/>
+        </p:nvSpPr>
+        <p:spPr>
+          <a:xfrm>
+            <a:off x="903342" y="1424403"/>
+            <a:ext cx="987771" cy="276999"/>
+          </a:xfrm>
+          <a:prstGeom prst="rect">
+            <a:avLst/>
+          </a:prstGeom>
+          <a:noFill/>
+        </p:spPr>
+        <p:txBody>
+          <a:bodyPr wrap="none" rtlCol="0">
+            <a:spAutoFit/>
+          </a:bodyPr>
+          <a:lstStyle/>
+          <a:p>
+            <a:r>
+              <a:rPr lang="en-US" sz="1200" dirty="0"/>
+              <a:t>Time: --:--:--</a:t>
+            </a:r>
+          </a:p>
+        </p:txBody>
+      </p:sp>
+      <p:sp>
+        <p:nvSpPr>
+          <p:cNvPr id="9" name="Rectangle: Rounded Corners 8">
+            <a:extLst>
+              <a:ext uri="{FF2B5EF4-FFF2-40B4-BE49-F238E27FC236}">
+                <a16:creationId xmlns:a16="http://schemas.microsoft.com/office/drawing/2014/main" id="{3AC44E53-92C6-F2EA-14D9-35DE8715ED9E}"/>
+              </a:ext>
+            </a:extLst>
+          </p:cNvPr>
+          <p:cNvSpPr/>
+          <p:nvPr/>
+        </p:nvSpPr>
+        <p:spPr>
+          <a:xfrm>
+            <a:off x="2645370" y="1221929"/>
+            <a:ext cx="2218099" cy="754842"/>
+          </a:xfrm>
+          <a:prstGeom prst="roundRect">
+            <a:avLst/>
+          </a:prstGeom>
+          <a:solidFill>
+            <a:schemeClr val="accent3">
+              <a:lumMod val="20000"/>
+              <a:lumOff val="80000"/>
+            </a:schemeClr>
+          </a:solidFill>
+        </p:spPr>
+        <p:style>
+          <a:lnRef idx="3">
+            <a:schemeClr val="lt1"/>
+          </a:lnRef>
+          <a:fillRef idx="1">
+            <a:schemeClr val="accent6"/>
+          </a:fillRef>
+          <a:effectRef idx="1">
+            <a:schemeClr val="accent6"/>
+          </a:effectRef>
+          <a:fontRef idx="minor">
+            <a:schemeClr val="lt1"/>
+          </a:fontRef>
+        </p:style>
+        <p:txBody>
+          <a:bodyPr rtlCol="0" anchor="ctr"/>
+          <a:lstStyle/>
+          <a:p>
+            <a:pPr algn="ctr"/>
+            <a:endParaRPr lang="en-US" dirty="0"/>
+          </a:p>
+        </p:txBody>
+      </p:sp>
+      <p:pic>
+        <p:nvPicPr>
+          <p:cNvPr id="11" name="Picture 10" descr="A map with a pin on it&#10;&#10;AI-generated content may be incorrect.">
+            <a:extLst>
+              <a:ext uri="{FF2B5EF4-FFF2-40B4-BE49-F238E27FC236}">
+                <a16:creationId xmlns:a16="http://schemas.microsoft.com/office/drawing/2014/main" id="{FAE7CFDC-9DE4-044A-82A8-B8E5BF3B12DF}"/>
+              </a:ext>
+            </a:extLst>
+          </p:cNvPr>
+          <p:cNvPicPr>
+            <a:picLocks noChangeAspect="1"/>
+          </p:cNvPicPr>
+          <p:nvPr/>
+        </p:nvPicPr>
+        <p:blipFill>
+          <a:blip r:embed="rId3">
+            <a:extLst>
+              <a:ext uri="{28A0092B-C50C-407E-A947-70E740481C1C}">
+                <a14:useLocalDpi xmlns:a14="http://schemas.microsoft.com/office/drawing/2010/main" val="0"/>
+              </a:ext>
+            </a:extLst>
+          </a:blip>
+          <a:stretch>
+            <a:fillRect/>
+          </a:stretch>
+        </p:blipFill>
+        <p:spPr>
+          <a:xfrm>
+            <a:off x="2840806" y="1264938"/>
+            <a:ext cx="542358" cy="542358"/>
+          </a:xfrm>
+          <a:prstGeom prst="rect">
+            <a:avLst/>
+          </a:prstGeom>
+        </p:spPr>
+      </p:pic>
+      <p:sp>
+        <p:nvSpPr>
+          <p:cNvPr id="12" name="TextBox 11">
+            <a:extLst>
+              <a:ext uri="{FF2B5EF4-FFF2-40B4-BE49-F238E27FC236}">
+                <a16:creationId xmlns:a16="http://schemas.microsoft.com/office/drawing/2014/main" id="{A2FAABF7-6EB0-6214-C96B-680A506FA2C3}"/>
+              </a:ext>
+            </a:extLst>
+          </p:cNvPr>
+          <p:cNvSpPr txBox="1"/>
+          <p:nvPr/>
+        </p:nvSpPr>
+        <p:spPr>
+          <a:xfrm>
+            <a:off x="3424891" y="1387483"/>
+            <a:ext cx="976934" cy="461665"/>
+          </a:xfrm>
+          <a:prstGeom prst="rect">
+            <a:avLst/>
+          </a:prstGeom>
+          <a:noFill/>
+        </p:spPr>
+        <p:txBody>
+          <a:bodyPr wrap="none" rtlCol="0">
+            <a:spAutoFit/>
+          </a:bodyPr>
+          <a:lstStyle/>
+          <a:p>
+            <a:r>
+              <a:rPr lang="en-US" sz="1200" dirty="0"/>
+              <a:t>Latitude: -</a:t>
+            </a:r>
+          </a:p>
+          <a:p>
+            <a:r>
+              <a:rPr lang="en-US" sz="1200" dirty="0"/>
+              <a:t>Longitude: -</a:t>
+            </a:r>
+          </a:p>
+        </p:txBody>
+      </p:sp>
+      <p:sp>
+        <p:nvSpPr>
+          <p:cNvPr id="13" name="Rectangle: Rounded Corners 12">
+            <a:extLst>
+              <a:ext uri="{FF2B5EF4-FFF2-40B4-BE49-F238E27FC236}">
+                <a16:creationId xmlns:a16="http://schemas.microsoft.com/office/drawing/2014/main" id="{AAF40E78-CA10-2669-2AA7-178EB9E2BF80}"/>
+              </a:ext>
+            </a:extLst>
+          </p:cNvPr>
+          <p:cNvSpPr/>
+          <p:nvPr/>
+        </p:nvSpPr>
+        <p:spPr>
+          <a:xfrm>
+            <a:off x="184585" y="2043861"/>
+            <a:ext cx="2283329" cy="754842"/>
+          </a:xfrm>
+          <a:prstGeom prst="roundRect">
+            <a:avLst/>
+          </a:prstGeom>
+          <a:solidFill>
+            <a:schemeClr val="accent3">
+              <a:lumMod val="20000"/>
+              <a:lumOff val="80000"/>
+            </a:schemeClr>
+          </a:solidFill>
+        </p:spPr>
+        <p:style>
+          <a:lnRef idx="3">
+            <a:schemeClr val="lt1"/>
+          </a:lnRef>
+          <a:fillRef idx="1">
+            <a:schemeClr val="accent6"/>
+          </a:fillRef>
+          <a:effectRef idx="1">
+            <a:schemeClr val="accent6"/>
+          </a:effectRef>
+          <a:fontRef idx="minor">
+            <a:schemeClr val="lt1"/>
+          </a:fontRef>
+        </p:style>
+        <p:txBody>
+          <a:bodyPr rtlCol="0" anchor="ctr"/>
+          <a:lstStyle/>
+          <a:p>
+            <a:pPr algn="ctr"/>
+            <a:endParaRPr lang="en-US" dirty="0"/>
+          </a:p>
+        </p:txBody>
+      </p:sp>
+      <p:pic>
+        <p:nvPicPr>
+          <p:cNvPr id="14" name="Picture 13" descr="A yellow padlock with a keyhole&#10;&#10;AI-generated content may be incorrect.">
+            <a:extLst>
+              <a:ext uri="{FF2B5EF4-FFF2-40B4-BE49-F238E27FC236}">
+                <a16:creationId xmlns:a16="http://schemas.microsoft.com/office/drawing/2014/main" id="{B8BA4FC4-A325-1480-3E05-87121D653327}"/>
+              </a:ext>
+            </a:extLst>
+          </p:cNvPr>
+          <p:cNvPicPr>
+            <a:picLocks noChangeAspect="1"/>
+          </p:cNvPicPr>
+          <p:nvPr/>
+        </p:nvPicPr>
+        <p:blipFill>
+          <a:blip r:embed="rId4">
+            <a:extLst>
+              <a:ext uri="{28A0092B-C50C-407E-A947-70E740481C1C}">
+                <a14:useLocalDpi xmlns:a14="http://schemas.microsoft.com/office/drawing/2010/main" val="0"/>
+              </a:ext>
+            </a:extLst>
+          </a:blip>
+          <a:stretch>
+            <a:fillRect/>
+          </a:stretch>
+        </p:blipFill>
+        <p:spPr>
+          <a:xfrm>
+            <a:off x="260238" y="2111155"/>
+            <a:ext cx="542358" cy="542358"/>
+          </a:xfrm>
+          <a:prstGeom prst="rect">
+            <a:avLst/>
+          </a:prstGeom>
+        </p:spPr>
+      </p:pic>
+      <p:sp>
+        <p:nvSpPr>
+          <p:cNvPr id="15" name="TextBox 14">
+            <a:extLst>
+              <a:ext uri="{FF2B5EF4-FFF2-40B4-BE49-F238E27FC236}">
+                <a16:creationId xmlns:a16="http://schemas.microsoft.com/office/drawing/2014/main" id="{7E5F978F-1D88-3509-21FC-25E3CFA801FE}"/>
+              </a:ext>
+            </a:extLst>
+          </p:cNvPr>
+          <p:cNvSpPr txBox="1"/>
+          <p:nvPr/>
+        </p:nvSpPr>
+        <p:spPr>
+          <a:xfrm>
+            <a:off x="844323" y="2307068"/>
+            <a:ext cx="950068" cy="276999"/>
+          </a:xfrm>
+          <a:prstGeom prst="rect">
+            <a:avLst/>
+          </a:prstGeom>
+          <a:noFill/>
+        </p:spPr>
+        <p:txBody>
+          <a:bodyPr wrap="none" rtlCol="0">
+            <a:spAutoFit/>
+          </a:bodyPr>
+          <a:lstStyle/>
+          <a:p>
+            <a:r>
+              <a:rPr lang="en-US" sz="1200" dirty="0"/>
+              <a:t>Lock status</a:t>
+            </a:r>
+          </a:p>
+        </p:txBody>
+      </p:sp>
+      <p:sp>
+        <p:nvSpPr>
+          <p:cNvPr id="17" name="Rectangle: Rounded Corners 16">
+            <a:extLst>
+              <a:ext uri="{FF2B5EF4-FFF2-40B4-BE49-F238E27FC236}">
+                <a16:creationId xmlns:a16="http://schemas.microsoft.com/office/drawing/2014/main" id="{29C14D87-5E10-B39A-0C63-160573B26855}"/>
+              </a:ext>
+            </a:extLst>
+          </p:cNvPr>
+          <p:cNvSpPr/>
+          <p:nvPr/>
+        </p:nvSpPr>
+        <p:spPr>
+          <a:xfrm>
+            <a:off x="2652500" y="2034834"/>
+            <a:ext cx="2218100" cy="754842"/>
+          </a:xfrm>
+          <a:prstGeom prst="roundRect">
+            <a:avLst/>
+          </a:prstGeom>
+          <a:solidFill>
+            <a:schemeClr val="accent3">
+              <a:lumMod val="20000"/>
+              <a:lumOff val="80000"/>
+            </a:schemeClr>
+          </a:solidFill>
+        </p:spPr>
+        <p:style>
+          <a:lnRef idx="3">
+            <a:schemeClr val="lt1"/>
+          </a:lnRef>
+          <a:fillRef idx="1">
+            <a:schemeClr val="accent6"/>
+          </a:fillRef>
+          <a:effectRef idx="1">
+            <a:schemeClr val="accent6"/>
+          </a:effectRef>
+          <a:fontRef idx="minor">
+            <a:schemeClr val="lt1"/>
+          </a:fontRef>
+        </p:style>
+        <p:txBody>
+          <a:bodyPr rtlCol="0" anchor="ctr"/>
+          <a:lstStyle/>
+          <a:p>
+            <a:pPr algn="ctr"/>
+            <a:endParaRPr lang="en-US" dirty="0"/>
+          </a:p>
+        </p:txBody>
+      </p:sp>
+      <p:pic>
+        <p:nvPicPr>
+          <p:cNvPr id="18" name="Picture 17" descr="A green battery with black background&#10;&#10;AI-generated content may be incorrect.">
+            <a:extLst>
+              <a:ext uri="{FF2B5EF4-FFF2-40B4-BE49-F238E27FC236}">
+                <a16:creationId xmlns:a16="http://schemas.microsoft.com/office/drawing/2014/main" id="{CE97EB37-C094-D57B-B341-56D3EB306798}"/>
+              </a:ext>
+            </a:extLst>
+          </p:cNvPr>
+          <p:cNvPicPr>
+            <a:picLocks noChangeAspect="1"/>
+          </p:cNvPicPr>
+          <p:nvPr/>
+        </p:nvPicPr>
+        <p:blipFill>
+          <a:blip r:embed="rId5">
+            <a:extLst>
+              <a:ext uri="{28A0092B-C50C-407E-A947-70E740481C1C}">
+                <a14:useLocalDpi xmlns:a14="http://schemas.microsoft.com/office/drawing/2010/main" val="0"/>
+              </a:ext>
+            </a:extLst>
+          </a:blip>
+          <a:stretch>
+            <a:fillRect/>
+          </a:stretch>
+        </p:blipFill>
+        <p:spPr>
+          <a:xfrm>
+            <a:off x="2756066" y="2080008"/>
+            <a:ext cx="668825" cy="668825"/>
+          </a:xfrm>
+          <a:prstGeom prst="rect">
+            <a:avLst/>
+          </a:prstGeom>
+        </p:spPr>
+      </p:pic>
+      <p:sp>
+        <p:nvSpPr>
+          <p:cNvPr id="19" name="TextBox 18">
+            <a:extLst>
+              <a:ext uri="{FF2B5EF4-FFF2-40B4-BE49-F238E27FC236}">
+                <a16:creationId xmlns:a16="http://schemas.microsoft.com/office/drawing/2014/main" id="{6D81E233-2E67-69C8-FFAB-AE8C1526724A}"/>
+              </a:ext>
+            </a:extLst>
+          </p:cNvPr>
+          <p:cNvSpPr txBox="1"/>
+          <p:nvPr/>
+        </p:nvSpPr>
+        <p:spPr>
+          <a:xfrm>
+            <a:off x="3362199" y="2275920"/>
+            <a:ext cx="968727" cy="276999"/>
+          </a:xfrm>
+          <a:prstGeom prst="rect">
+            <a:avLst/>
+          </a:prstGeom>
+          <a:noFill/>
+        </p:spPr>
+        <p:txBody>
+          <a:bodyPr wrap="none" rtlCol="0">
+            <a:spAutoFit/>
+          </a:bodyPr>
+          <a:lstStyle/>
+          <a:p>
+            <a:r>
+              <a:rPr lang="en-US" sz="1200" dirty="0"/>
+              <a:t>Battery: --%</a:t>
+            </a:r>
+          </a:p>
+        </p:txBody>
+      </p:sp>
+      <p:sp>
+        <p:nvSpPr>
+          <p:cNvPr id="21" name="Rectangle: Rounded Corners 20">
+            <a:extLst>
+              <a:ext uri="{FF2B5EF4-FFF2-40B4-BE49-F238E27FC236}">
+                <a16:creationId xmlns:a16="http://schemas.microsoft.com/office/drawing/2014/main" id="{BCACCB89-8345-130A-EEE1-786B6250E8F4}"/>
+              </a:ext>
+            </a:extLst>
+          </p:cNvPr>
+          <p:cNvSpPr/>
+          <p:nvPr/>
+        </p:nvSpPr>
+        <p:spPr>
+          <a:xfrm>
+            <a:off x="184585" y="2950060"/>
+            <a:ext cx="1070922" cy="562436"/>
+          </a:xfrm>
+          <a:prstGeom prst="roundRect">
+            <a:avLst/>
+          </a:prstGeom>
+          <a:solidFill>
+            <a:schemeClr val="bg1">
+              <a:lumMod val="95000"/>
+            </a:schemeClr>
+          </a:solidFill>
+        </p:spPr>
+        <p:style>
+          <a:lnRef idx="3">
+            <a:schemeClr val="lt1"/>
+          </a:lnRef>
+          <a:fillRef idx="1">
+            <a:schemeClr val="accent6"/>
+          </a:fillRef>
+          <a:effectRef idx="1">
+            <a:schemeClr val="accent6"/>
+          </a:effectRef>
+          <a:fontRef idx="minor">
+            <a:schemeClr val="lt1"/>
+          </a:fontRef>
+        </p:style>
+        <p:txBody>
+          <a:bodyPr rtlCol="0" anchor="ctr"/>
+          <a:lstStyle/>
+          <a:p>
+            <a:pPr algn="ctr"/>
+            <a:endParaRPr lang="en-US" dirty="0"/>
+          </a:p>
+        </p:txBody>
+      </p:sp>
+      <p:sp>
+        <p:nvSpPr>
+          <p:cNvPr id="23" name="Rectangle: Rounded Corners 22">
+            <a:extLst>
+              <a:ext uri="{FF2B5EF4-FFF2-40B4-BE49-F238E27FC236}">
+                <a16:creationId xmlns:a16="http://schemas.microsoft.com/office/drawing/2014/main" id="{BF5D9239-791A-B5C5-5B76-0CA507883EFE}"/>
+              </a:ext>
+            </a:extLst>
+          </p:cNvPr>
+          <p:cNvSpPr/>
+          <p:nvPr/>
+        </p:nvSpPr>
+        <p:spPr>
+          <a:xfrm>
+            <a:off x="1393908" y="2947100"/>
+            <a:ext cx="1070922" cy="562436"/>
+          </a:xfrm>
+          <a:prstGeom prst="roundRect">
+            <a:avLst/>
+          </a:prstGeom>
+          <a:solidFill>
+            <a:schemeClr val="bg1">
+              <a:lumMod val="95000"/>
+            </a:schemeClr>
+          </a:solidFill>
+        </p:spPr>
+        <p:style>
+          <a:lnRef idx="3">
+            <a:schemeClr val="lt1"/>
+          </a:lnRef>
+          <a:fillRef idx="1">
+            <a:schemeClr val="accent6"/>
+          </a:fillRef>
+          <a:effectRef idx="1">
+            <a:schemeClr val="accent6"/>
+          </a:effectRef>
+          <a:fontRef idx="minor">
+            <a:schemeClr val="lt1"/>
+          </a:fontRef>
+        </p:style>
+        <p:txBody>
+          <a:bodyPr rtlCol="0" anchor="ctr"/>
+          <a:lstStyle/>
+          <a:p>
+            <a:pPr algn="ctr"/>
+            <a:endParaRPr lang="en-US" dirty="0"/>
+          </a:p>
+        </p:txBody>
+      </p:sp>
+      <p:pic>
+        <p:nvPicPr>
+          <p:cNvPr id="24" name="Picture 23" descr="A green wifi symbol on a black background&#10;&#10;AI-generated content may be incorrect.">
+            <a:extLst>
+              <a:ext uri="{FF2B5EF4-FFF2-40B4-BE49-F238E27FC236}">
+                <a16:creationId xmlns:a16="http://schemas.microsoft.com/office/drawing/2014/main" id="{404BE856-8FE6-51C5-4F60-ED1E493EC219}"/>
+              </a:ext>
+            </a:extLst>
+          </p:cNvPr>
+          <p:cNvPicPr>
+            <a:picLocks noChangeAspect="1"/>
+          </p:cNvPicPr>
+          <p:nvPr/>
+        </p:nvPicPr>
+        <p:blipFill>
+          <a:blip r:embed="rId6">
+            <a:extLst>
+              <a:ext uri="{28A0092B-C50C-407E-A947-70E740481C1C}">
+                <a14:useLocalDpi xmlns:a14="http://schemas.microsoft.com/office/drawing/2010/main" val="0"/>
+              </a:ext>
+            </a:extLst>
+          </a:blip>
+          <a:stretch>
+            <a:fillRect/>
+          </a:stretch>
+        </p:blipFill>
+        <p:spPr>
+          <a:xfrm>
+            <a:off x="1484930" y="3058452"/>
+            <a:ext cx="339731" cy="339731"/>
+          </a:xfrm>
+          <a:prstGeom prst="rect">
+            <a:avLst/>
+          </a:prstGeom>
+        </p:spPr>
+      </p:pic>
+      <p:sp>
+        <p:nvSpPr>
+          <p:cNvPr id="25" name="Rectangle: Rounded Corners 24">
+            <a:extLst>
+              <a:ext uri="{FF2B5EF4-FFF2-40B4-BE49-F238E27FC236}">
+                <a16:creationId xmlns:a16="http://schemas.microsoft.com/office/drawing/2014/main" id="{6DE3D7D1-C54F-07D2-BD40-588D9EE5FEC8}"/>
+              </a:ext>
+            </a:extLst>
+          </p:cNvPr>
+          <p:cNvSpPr/>
+          <p:nvPr/>
+        </p:nvSpPr>
+        <p:spPr>
+          <a:xfrm>
+            <a:off x="2569538" y="2937879"/>
+            <a:ext cx="1070922" cy="562436"/>
+          </a:xfrm>
+          <a:prstGeom prst="roundRect">
+            <a:avLst/>
+          </a:prstGeom>
+          <a:solidFill>
+            <a:schemeClr val="bg1">
+              <a:lumMod val="95000"/>
+            </a:schemeClr>
+          </a:solidFill>
+        </p:spPr>
+        <p:style>
+          <a:lnRef idx="3">
+            <a:schemeClr val="lt1"/>
+          </a:lnRef>
+          <a:fillRef idx="1">
+            <a:schemeClr val="accent6"/>
+          </a:fillRef>
+          <a:effectRef idx="1">
+            <a:schemeClr val="accent6"/>
+          </a:effectRef>
+          <a:fontRef idx="minor">
+            <a:schemeClr val="lt1"/>
+          </a:fontRef>
+        </p:style>
+        <p:txBody>
+          <a:bodyPr rtlCol="0" anchor="ctr"/>
+          <a:lstStyle/>
+          <a:p>
+            <a:pPr algn="ctr"/>
+            <a:endParaRPr lang="en-US" dirty="0"/>
+          </a:p>
+        </p:txBody>
+      </p:sp>
+      <p:sp>
+        <p:nvSpPr>
+          <p:cNvPr id="27" name="Rectangle: Rounded Corners 26">
+            <a:extLst>
+              <a:ext uri="{FF2B5EF4-FFF2-40B4-BE49-F238E27FC236}">
+                <a16:creationId xmlns:a16="http://schemas.microsoft.com/office/drawing/2014/main" id="{911444E1-410C-2F68-4B90-B5072994AC3E}"/>
+              </a:ext>
+            </a:extLst>
+          </p:cNvPr>
+          <p:cNvSpPr/>
+          <p:nvPr/>
+        </p:nvSpPr>
+        <p:spPr>
+          <a:xfrm>
+            <a:off x="3792547" y="2947100"/>
+            <a:ext cx="1070922" cy="562436"/>
+          </a:xfrm>
+          <a:prstGeom prst="roundRect">
+            <a:avLst/>
+          </a:prstGeom>
+          <a:solidFill>
+            <a:schemeClr val="bg1">
+              <a:lumMod val="95000"/>
+            </a:schemeClr>
+          </a:solidFill>
+        </p:spPr>
+        <p:style>
+          <a:lnRef idx="3">
+            <a:schemeClr val="lt1"/>
+          </a:lnRef>
+          <a:fillRef idx="1">
+            <a:schemeClr val="accent6"/>
+          </a:fillRef>
+          <a:effectRef idx="1">
+            <a:schemeClr val="accent6"/>
+          </a:effectRef>
+          <a:fontRef idx="minor">
+            <a:schemeClr val="lt1"/>
+          </a:fontRef>
+        </p:style>
+        <p:txBody>
+          <a:bodyPr rtlCol="0" anchor="ctr"/>
+          <a:lstStyle/>
+          <a:p>
+            <a:pPr algn="ctr"/>
+            <a:endParaRPr lang="en-US" dirty="0"/>
+          </a:p>
+        </p:txBody>
+      </p:sp>
+      <p:pic>
+        <p:nvPicPr>
+          <p:cNvPr id="29" name="Picture 28" descr="A black background with a black square&#10;&#10;AI-generated content may be incorrect.">
+            <a:extLst>
+              <a:ext uri="{FF2B5EF4-FFF2-40B4-BE49-F238E27FC236}">
+                <a16:creationId xmlns:a16="http://schemas.microsoft.com/office/drawing/2014/main" id="{8045FB54-34DE-7980-683B-7CC6981EBE50}"/>
+              </a:ext>
+            </a:extLst>
+          </p:cNvPr>
+          <p:cNvPicPr>
+            <a:picLocks noChangeAspect="1"/>
+          </p:cNvPicPr>
+          <p:nvPr/>
+        </p:nvPicPr>
+        <p:blipFill>
+          <a:blip r:embed="rId7">
+            <a:extLst>
+              <a:ext uri="{28A0092B-C50C-407E-A947-70E740481C1C}">
+                <a14:useLocalDpi xmlns:a14="http://schemas.microsoft.com/office/drawing/2010/main" val="0"/>
+              </a:ext>
+            </a:extLst>
+          </a:blip>
+          <a:stretch>
+            <a:fillRect/>
+          </a:stretch>
+        </p:blipFill>
+        <p:spPr>
+          <a:xfrm>
+            <a:off x="882804" y="3129994"/>
+            <a:ext cx="299006" cy="299006"/>
+          </a:xfrm>
+          <a:prstGeom prst="rect">
+            <a:avLst/>
+          </a:prstGeom>
+        </p:spPr>
+      </p:pic>
+      <p:pic>
+        <p:nvPicPr>
+          <p:cNvPr id="31" name="Picture 30" descr="A black background with a black square&#10;&#10;AI-generated content may be incorrect.">
+            <a:extLst>
+              <a:ext uri="{FF2B5EF4-FFF2-40B4-BE49-F238E27FC236}">
+                <a16:creationId xmlns:a16="http://schemas.microsoft.com/office/drawing/2014/main" id="{0E9458F2-2B94-E948-F2FB-354A20465E50}"/>
+              </a:ext>
+            </a:extLst>
+          </p:cNvPr>
+          <p:cNvPicPr>
+            <a:picLocks noChangeAspect="1"/>
+          </p:cNvPicPr>
+          <p:nvPr/>
+        </p:nvPicPr>
+        <p:blipFill>
+          <a:blip r:embed="rId8">
+            <a:extLst>
+              <a:ext uri="{28A0092B-C50C-407E-A947-70E740481C1C}">
+                <a14:useLocalDpi xmlns:a14="http://schemas.microsoft.com/office/drawing/2010/main" val="0"/>
+              </a:ext>
+            </a:extLst>
+          </a:blip>
+          <a:stretch>
+            <a:fillRect/>
+          </a:stretch>
+        </p:blipFill>
+        <p:spPr>
+          <a:xfrm>
+            <a:off x="300677" y="1335210"/>
+            <a:ext cx="513938" cy="513938"/>
+          </a:xfrm>
+          <a:prstGeom prst="rect">
+            <a:avLst/>
+          </a:prstGeom>
+        </p:spPr>
+      </p:pic>
+      <p:pic>
+        <p:nvPicPr>
+          <p:cNvPr id="34" name="Picture 33" descr="A thermometer with a black background&#10;&#10;AI-generated content may be incorrect.">
+            <a:extLst>
+              <a:ext uri="{FF2B5EF4-FFF2-40B4-BE49-F238E27FC236}">
+                <a16:creationId xmlns:a16="http://schemas.microsoft.com/office/drawing/2014/main" id="{49ACD9AF-49A2-CCB4-2AC4-E286C6089DCD}"/>
+              </a:ext>
+            </a:extLst>
+          </p:cNvPr>
+          <p:cNvPicPr>
+            <a:picLocks noChangeAspect="1"/>
+          </p:cNvPicPr>
+          <p:nvPr/>
+        </p:nvPicPr>
+        <p:blipFill>
+          <a:blip r:embed="rId9">
+            <a:extLst>
+              <a:ext uri="{28A0092B-C50C-407E-A947-70E740481C1C}">
+                <a14:useLocalDpi xmlns:a14="http://schemas.microsoft.com/office/drawing/2010/main" val="0"/>
+              </a:ext>
+            </a:extLst>
+          </a:blip>
+          <a:stretch>
+            <a:fillRect/>
+          </a:stretch>
+        </p:blipFill>
+        <p:spPr>
+          <a:xfrm>
+            <a:off x="174234" y="3015545"/>
+            <a:ext cx="407101" cy="407101"/>
+          </a:xfrm>
+          <a:prstGeom prst="rect">
+            <a:avLst/>
+          </a:prstGeom>
+        </p:spPr>
+      </p:pic>
+      <p:pic>
+        <p:nvPicPr>
+          <p:cNvPr id="36" name="Picture 35" descr="A black background with a black square&#10;&#10;AI-generated content may be incorrect.">
+            <a:extLst>
+              <a:ext uri="{FF2B5EF4-FFF2-40B4-BE49-F238E27FC236}">
+                <a16:creationId xmlns:a16="http://schemas.microsoft.com/office/drawing/2014/main" id="{5990AEEF-4A4A-FB3D-56AA-16E7D0C94054}"/>
+              </a:ext>
+            </a:extLst>
+          </p:cNvPr>
+          <p:cNvPicPr>
+            <a:picLocks noChangeAspect="1"/>
+          </p:cNvPicPr>
+          <p:nvPr/>
+        </p:nvPicPr>
+        <p:blipFill>
+          <a:blip r:embed="rId10">
+            <a:extLst>
+              <a:ext uri="{28A0092B-C50C-407E-A947-70E740481C1C}">
+                <a14:useLocalDpi xmlns:a14="http://schemas.microsoft.com/office/drawing/2010/main" val="0"/>
+              </a:ext>
+            </a:extLst>
+          </a:blip>
+          <a:stretch>
+            <a:fillRect/>
+          </a:stretch>
+        </p:blipFill>
+        <p:spPr>
+          <a:xfrm>
+            <a:off x="2639928" y="2994842"/>
+            <a:ext cx="356770" cy="450551"/>
+          </a:xfrm>
+          <a:prstGeom prst="rect">
+            <a:avLst/>
+          </a:prstGeom>
+        </p:spPr>
+      </p:pic>
+      <p:pic>
+        <p:nvPicPr>
+          <p:cNvPr id="42" name="Picture 41" descr="A box with a white tape&#10;&#10;AI-generated content may be incorrect.">
+            <a:extLst>
+              <a:ext uri="{FF2B5EF4-FFF2-40B4-BE49-F238E27FC236}">
+                <a16:creationId xmlns:a16="http://schemas.microsoft.com/office/drawing/2014/main" id="{E0A37FAF-D0EC-85D7-C436-5FC2269AB428}"/>
+              </a:ext>
+            </a:extLst>
+          </p:cNvPr>
+          <p:cNvPicPr>
+            <a:picLocks noChangeAspect="1"/>
+          </p:cNvPicPr>
+          <p:nvPr/>
+        </p:nvPicPr>
+        <p:blipFill>
+          <a:blip r:embed="rId11">
+            <a:extLst>
+              <a:ext uri="{28A0092B-C50C-407E-A947-70E740481C1C}">
+                <a14:useLocalDpi xmlns:a14="http://schemas.microsoft.com/office/drawing/2010/main" val="0"/>
+              </a:ext>
+            </a:extLst>
+          </a:blip>
+          <a:stretch>
+            <a:fillRect/>
+          </a:stretch>
+        </p:blipFill>
+        <p:spPr>
+          <a:xfrm>
+            <a:off x="3858738" y="3107150"/>
+            <a:ext cx="291033" cy="291033"/>
+          </a:xfrm>
+          <a:prstGeom prst="rect">
+            <a:avLst/>
+          </a:prstGeom>
+        </p:spPr>
+      </p:pic>
+    </p:spTree>
+    <p:extLst>
+      <p:ext uri="{BB962C8B-B14F-4D97-AF65-F5344CB8AC3E}">
+        <p14:creationId xmlns:p14="http://schemas.microsoft.com/office/powerpoint/2010/main" val="2346812855"/>
       </p:ext>
     </p:extLst>
   </p:cSld>

--- a/Structure/website template.pptx
+++ b/Structure/website template.pptx
@@ -6,8 +6,8 @@
   </p:sldMasterIdLst>
   <p:sldIdLst>
     <p:sldId id="257" r:id="rId2"/>
-    <p:sldId id="258" r:id="rId3"/>
-    <p:sldId id="259" r:id="rId4"/>
+    <p:sldId id="259" r:id="rId3"/>
+    <p:sldId id="260" r:id="rId4"/>
   </p:sldIdLst>
   <p:sldSz cx="12192000" cy="6858000"/>
   <p:notesSz cx="6858000" cy="9144000"/>
@@ -4227,483 +4227,6 @@
   <p:cSld>
     <p:spTree>
       <p:nvGrpSpPr>
-        <p:cNvPr id="1" name=""/>
-        <p:cNvGrpSpPr/>
-        <p:nvPr/>
-      </p:nvGrpSpPr>
-      <p:grpSpPr>
-        <a:xfrm>
-          <a:off x="0" y="0"/>
-          <a:ext cx="0" cy="0"/>
-          <a:chOff x="0" y="0"/>
-          <a:chExt cx="0" cy="0"/>
-        </a:xfrm>
-      </p:grpSpPr>
-      <p:pic>
-        <p:nvPicPr>
-          <p:cNvPr id="3" name="Picture 2">
-            <a:extLst>
-              <a:ext uri="{FF2B5EF4-FFF2-40B4-BE49-F238E27FC236}">
-                <a16:creationId xmlns:a16="http://schemas.microsoft.com/office/drawing/2014/main" id="{97A56E64-A382-204E-F7AD-E89A5CBD2797}"/>
-              </a:ext>
-            </a:extLst>
-          </p:cNvPr>
-          <p:cNvPicPr>
-            <a:picLocks noChangeAspect="1"/>
-          </p:cNvPicPr>
-          <p:nvPr/>
-        </p:nvPicPr>
-        <p:blipFill>
-          <a:blip r:embed="rId2"/>
-          <a:srcRect r="5025" b="4775"/>
-          <a:stretch>
-            <a:fillRect/>
-          </a:stretch>
-        </p:blipFill>
-        <p:spPr>
-          <a:xfrm>
-            <a:off x="0" y="0"/>
-            <a:ext cx="12186650" cy="6083929"/>
-          </a:xfrm>
-          <a:prstGeom prst="rect">
-            <a:avLst/>
-          </a:prstGeom>
-        </p:spPr>
-      </p:pic>
-      <p:sp>
-        <p:nvSpPr>
-          <p:cNvPr id="4" name="Rectangle: Rounded Corners 3">
-            <a:extLst>
-              <a:ext uri="{FF2B5EF4-FFF2-40B4-BE49-F238E27FC236}">
-                <a16:creationId xmlns:a16="http://schemas.microsoft.com/office/drawing/2014/main" id="{272EBEC6-BBA3-A441-74A2-42B0F2C2233B}"/>
-              </a:ext>
-            </a:extLst>
-          </p:cNvPr>
-          <p:cNvSpPr/>
-          <p:nvPr/>
-        </p:nvSpPr>
-        <p:spPr>
-          <a:xfrm>
-            <a:off x="0" y="1104523"/>
-            <a:ext cx="5106154" cy="3539905"/>
-          </a:xfrm>
-          <a:prstGeom prst="roundRect">
-            <a:avLst>
-              <a:gd name="adj" fmla="val 2601"/>
-            </a:avLst>
-          </a:prstGeom>
-          <a:solidFill>
-            <a:schemeClr val="bg1"/>
-          </a:solidFill>
-        </p:spPr>
-        <p:style>
-          <a:lnRef idx="2">
-            <a:schemeClr val="accent1">
-              <a:shade val="15000"/>
-            </a:schemeClr>
-          </a:lnRef>
-          <a:fillRef idx="1">
-            <a:schemeClr val="accent1"/>
-          </a:fillRef>
-          <a:effectRef idx="0">
-            <a:schemeClr val="accent1"/>
-          </a:effectRef>
-          <a:fontRef idx="minor">
-            <a:schemeClr val="lt1"/>
-          </a:fontRef>
-        </p:style>
-        <p:txBody>
-          <a:bodyPr rtlCol="0" anchor="ctr"/>
-          <a:lstStyle/>
-          <a:p>
-            <a:pPr algn="ctr"/>
-            <a:r>
-              <a:rPr lang="en-US" dirty="0"/>
-              <a:t>d</a:t>
-            </a:r>
-          </a:p>
-        </p:txBody>
-      </p:sp>
-      <p:pic>
-        <p:nvPicPr>
-          <p:cNvPr id="6" name="Picture 5" descr="A green battery with black background&#10;&#10;AI-generated content may be incorrect.">
-            <a:extLst>
-              <a:ext uri="{FF2B5EF4-FFF2-40B4-BE49-F238E27FC236}">
-                <a16:creationId xmlns:a16="http://schemas.microsoft.com/office/drawing/2014/main" id="{08E88218-8E04-4317-3B97-184E793006DA}"/>
-              </a:ext>
-            </a:extLst>
-          </p:cNvPr>
-          <p:cNvPicPr>
-            <a:picLocks noChangeAspect="1"/>
-          </p:cNvPicPr>
-          <p:nvPr/>
-        </p:nvPicPr>
-        <p:blipFill>
-          <a:blip r:embed="rId3">
-            <a:extLst>
-              <a:ext uri="{28A0092B-C50C-407E-A947-70E740481C1C}">
-                <a14:useLocalDpi xmlns:a14="http://schemas.microsoft.com/office/drawing/2010/main" val="0"/>
-              </a:ext>
-            </a:extLst>
-          </a:blip>
-          <a:stretch>
-            <a:fillRect/>
-          </a:stretch>
-        </p:blipFill>
-        <p:spPr>
-          <a:xfrm>
-            <a:off x="149777" y="3739231"/>
-            <a:ext cx="668825" cy="668825"/>
-          </a:xfrm>
-          <a:prstGeom prst="rect">
-            <a:avLst/>
-          </a:prstGeom>
-        </p:spPr>
-      </p:pic>
-      <p:pic>
-        <p:nvPicPr>
-          <p:cNvPr id="8" name="Picture 7" descr="A map with a pin on it&#10;&#10;AI-generated content may be incorrect.">
-            <a:extLst>
-              <a:ext uri="{FF2B5EF4-FFF2-40B4-BE49-F238E27FC236}">
-                <a16:creationId xmlns:a16="http://schemas.microsoft.com/office/drawing/2014/main" id="{21E530B5-C72A-FC33-A381-DE7257E29C24}"/>
-              </a:ext>
-            </a:extLst>
-          </p:cNvPr>
-          <p:cNvPicPr>
-            <a:picLocks noChangeAspect="1"/>
-          </p:cNvPicPr>
-          <p:nvPr/>
-        </p:nvPicPr>
-        <p:blipFill>
-          <a:blip r:embed="rId4">
-            <a:extLst>
-              <a:ext uri="{28A0092B-C50C-407E-A947-70E740481C1C}">
-                <a14:useLocalDpi xmlns:a14="http://schemas.microsoft.com/office/drawing/2010/main" val="0"/>
-              </a:ext>
-            </a:extLst>
-          </a:blip>
-          <a:stretch>
-            <a:fillRect/>
-          </a:stretch>
-        </p:blipFill>
-        <p:spPr>
-          <a:xfrm>
-            <a:off x="234517" y="2023875"/>
-            <a:ext cx="542358" cy="542358"/>
-          </a:xfrm>
-          <a:prstGeom prst="rect">
-            <a:avLst/>
-          </a:prstGeom>
-        </p:spPr>
-      </p:pic>
-      <p:pic>
-        <p:nvPicPr>
-          <p:cNvPr id="10" name="Picture 9" descr="A black background with a black square&#10;&#10;AI-generated content may be incorrect.">
-            <a:extLst>
-              <a:ext uri="{FF2B5EF4-FFF2-40B4-BE49-F238E27FC236}">
-                <a16:creationId xmlns:a16="http://schemas.microsoft.com/office/drawing/2014/main" id="{D9734E45-10BA-D70F-CB4C-63DB25002E92}"/>
-              </a:ext>
-            </a:extLst>
-          </p:cNvPr>
-          <p:cNvPicPr>
-            <a:picLocks noChangeAspect="1"/>
-          </p:cNvPicPr>
-          <p:nvPr/>
-        </p:nvPicPr>
-        <p:blipFill>
-          <a:blip r:embed="rId5">
-            <a:extLst>
-              <a:ext uri="{28A0092B-C50C-407E-A947-70E740481C1C}">
-                <a14:useLocalDpi xmlns:a14="http://schemas.microsoft.com/office/drawing/2010/main" val="0"/>
-              </a:ext>
-            </a:extLst>
-          </a:blip>
-          <a:stretch>
-            <a:fillRect/>
-          </a:stretch>
-        </p:blipFill>
-        <p:spPr>
-          <a:xfrm>
-            <a:off x="4160913" y="2796489"/>
-            <a:ext cx="644070" cy="644070"/>
-          </a:xfrm>
-          <a:prstGeom prst="rect">
-            <a:avLst/>
-          </a:prstGeom>
-        </p:spPr>
-      </p:pic>
-      <p:pic>
-        <p:nvPicPr>
-          <p:cNvPr id="16" name="Picture 15" descr="A clock with a blue border&#10;&#10;AI-generated content may be incorrect.">
-            <a:extLst>
-              <a:ext uri="{FF2B5EF4-FFF2-40B4-BE49-F238E27FC236}">
-                <a16:creationId xmlns:a16="http://schemas.microsoft.com/office/drawing/2014/main" id="{36CE0A37-2CD6-4565-8E20-542D8886A9B8}"/>
-              </a:ext>
-            </a:extLst>
-          </p:cNvPr>
-          <p:cNvPicPr>
-            <a:picLocks noChangeAspect="1"/>
-          </p:cNvPicPr>
-          <p:nvPr/>
-        </p:nvPicPr>
-        <p:blipFill>
-          <a:blip r:embed="rId6">
-            <a:extLst>
-              <a:ext uri="{28A0092B-C50C-407E-A947-70E740481C1C}">
-                <a14:useLocalDpi xmlns:a14="http://schemas.microsoft.com/office/drawing/2010/main" val="0"/>
-              </a:ext>
-            </a:extLst>
-          </a:blip>
-          <a:stretch>
-            <a:fillRect/>
-          </a:stretch>
-        </p:blipFill>
-        <p:spPr>
-          <a:xfrm>
-            <a:off x="149778" y="1204128"/>
-            <a:ext cx="668825" cy="668825"/>
-          </a:xfrm>
-          <a:prstGeom prst="rect">
-            <a:avLst/>
-          </a:prstGeom>
-        </p:spPr>
-      </p:pic>
-      <p:pic>
-        <p:nvPicPr>
-          <p:cNvPr id="20" name="Picture 19" descr="A yellow padlock with a keyhole&#10;&#10;AI-generated content may be incorrect.">
-            <a:extLst>
-              <a:ext uri="{FF2B5EF4-FFF2-40B4-BE49-F238E27FC236}">
-                <a16:creationId xmlns:a16="http://schemas.microsoft.com/office/drawing/2014/main" id="{87ABB413-8D2C-ADF1-68B1-DB9F6340945B}"/>
-              </a:ext>
-            </a:extLst>
-          </p:cNvPr>
-          <p:cNvPicPr>
-            <a:picLocks noChangeAspect="1"/>
-          </p:cNvPicPr>
-          <p:nvPr/>
-        </p:nvPicPr>
-        <p:blipFill>
-          <a:blip r:embed="rId7">
-            <a:extLst>
-              <a:ext uri="{28A0092B-C50C-407E-A947-70E740481C1C}">
-                <a14:useLocalDpi xmlns:a14="http://schemas.microsoft.com/office/drawing/2010/main" val="0"/>
-              </a:ext>
-            </a:extLst>
-          </a:blip>
-          <a:stretch>
-            <a:fillRect/>
-          </a:stretch>
-        </p:blipFill>
-        <p:spPr>
-          <a:xfrm>
-            <a:off x="234517" y="2881553"/>
-            <a:ext cx="542358" cy="542358"/>
-          </a:xfrm>
-          <a:prstGeom prst="rect">
-            <a:avLst/>
-          </a:prstGeom>
-        </p:spPr>
-      </p:pic>
-      <p:pic>
-        <p:nvPicPr>
-          <p:cNvPr id="32" name="Picture 31" descr="A green wifi symbol on a black background&#10;&#10;AI-generated content may be incorrect.">
-            <a:extLst>
-              <a:ext uri="{FF2B5EF4-FFF2-40B4-BE49-F238E27FC236}">
-                <a16:creationId xmlns:a16="http://schemas.microsoft.com/office/drawing/2014/main" id="{461F1412-1E1D-A047-AAF9-07E465C0C6EF}"/>
-              </a:ext>
-            </a:extLst>
-          </p:cNvPr>
-          <p:cNvPicPr>
-            <a:picLocks noChangeAspect="1"/>
-          </p:cNvPicPr>
-          <p:nvPr/>
-        </p:nvPicPr>
-        <p:blipFill>
-          <a:blip r:embed="rId8">
-            <a:extLst>
-              <a:ext uri="{28A0092B-C50C-407E-A947-70E740481C1C}">
-                <a14:useLocalDpi xmlns:a14="http://schemas.microsoft.com/office/drawing/2010/main" val="0"/>
-              </a:ext>
-            </a:extLst>
-          </a:blip>
-          <a:stretch>
-            <a:fillRect/>
-          </a:stretch>
-        </p:blipFill>
-        <p:spPr>
-          <a:xfrm>
-            <a:off x="4081783" y="3853922"/>
-            <a:ext cx="554134" cy="554134"/>
-          </a:xfrm>
-          <a:prstGeom prst="rect">
-            <a:avLst/>
-          </a:prstGeom>
-        </p:spPr>
-      </p:pic>
-      <p:sp>
-        <p:nvSpPr>
-          <p:cNvPr id="37" name="TextBox 36">
-            <a:extLst>
-              <a:ext uri="{FF2B5EF4-FFF2-40B4-BE49-F238E27FC236}">
-                <a16:creationId xmlns:a16="http://schemas.microsoft.com/office/drawing/2014/main" id="{4321C3DA-7AC2-F1CA-447C-6FD1950E26EF}"/>
-              </a:ext>
-            </a:extLst>
-          </p:cNvPr>
-          <p:cNvSpPr txBox="1"/>
-          <p:nvPr/>
-        </p:nvSpPr>
-        <p:spPr>
-          <a:xfrm>
-            <a:off x="818602" y="2146420"/>
-            <a:ext cx="976934" cy="461665"/>
-          </a:xfrm>
-          <a:prstGeom prst="rect">
-            <a:avLst/>
-          </a:prstGeom>
-          <a:noFill/>
-        </p:spPr>
-        <p:txBody>
-          <a:bodyPr wrap="none" rtlCol="0">
-            <a:spAutoFit/>
-          </a:bodyPr>
-          <a:lstStyle/>
-          <a:p>
-            <a:r>
-              <a:rPr lang="en-US" sz="1200" dirty="0"/>
-              <a:t>Latitude: -</a:t>
-            </a:r>
-          </a:p>
-          <a:p>
-            <a:r>
-              <a:rPr lang="en-US" sz="1200" dirty="0"/>
-              <a:t>Longitude: -</a:t>
-            </a:r>
-          </a:p>
-        </p:txBody>
-      </p:sp>
-      <p:sp>
-        <p:nvSpPr>
-          <p:cNvPr id="38" name="TextBox 37">
-            <a:extLst>
-              <a:ext uri="{FF2B5EF4-FFF2-40B4-BE49-F238E27FC236}">
-                <a16:creationId xmlns:a16="http://schemas.microsoft.com/office/drawing/2014/main" id="{08E52FD1-DF26-6675-04D7-D62D7D384901}"/>
-              </a:ext>
-            </a:extLst>
-          </p:cNvPr>
-          <p:cNvSpPr txBox="1"/>
-          <p:nvPr/>
-        </p:nvSpPr>
-        <p:spPr>
-          <a:xfrm>
-            <a:off x="818602" y="1400040"/>
-            <a:ext cx="987771" cy="276999"/>
-          </a:xfrm>
-          <a:prstGeom prst="rect">
-            <a:avLst/>
-          </a:prstGeom>
-          <a:noFill/>
-        </p:spPr>
-        <p:txBody>
-          <a:bodyPr wrap="none" rtlCol="0">
-            <a:spAutoFit/>
-          </a:bodyPr>
-          <a:lstStyle/>
-          <a:p>
-            <a:r>
-              <a:rPr lang="en-US" sz="1200" dirty="0"/>
-              <a:t>Time: --:--:--</a:t>
-            </a:r>
-          </a:p>
-        </p:txBody>
-      </p:sp>
-      <p:sp>
-        <p:nvSpPr>
-          <p:cNvPr id="39" name="TextBox 38">
-            <a:extLst>
-              <a:ext uri="{FF2B5EF4-FFF2-40B4-BE49-F238E27FC236}">
-                <a16:creationId xmlns:a16="http://schemas.microsoft.com/office/drawing/2014/main" id="{25260AFE-D63E-CBFB-29F6-A5FB57B5E09F}"/>
-              </a:ext>
-            </a:extLst>
-          </p:cNvPr>
-          <p:cNvSpPr txBox="1"/>
-          <p:nvPr/>
-        </p:nvSpPr>
-        <p:spPr>
-          <a:xfrm>
-            <a:off x="818602" y="3077466"/>
-            <a:ext cx="950068" cy="276999"/>
-          </a:xfrm>
-          <a:prstGeom prst="rect">
-            <a:avLst/>
-          </a:prstGeom>
-          <a:noFill/>
-        </p:spPr>
-        <p:txBody>
-          <a:bodyPr wrap="none" rtlCol="0">
-            <a:spAutoFit/>
-          </a:bodyPr>
-          <a:lstStyle/>
-          <a:p>
-            <a:r>
-              <a:rPr lang="en-US" sz="1200" dirty="0"/>
-              <a:t>Lock status</a:t>
-            </a:r>
-          </a:p>
-        </p:txBody>
-      </p:sp>
-      <p:sp>
-        <p:nvSpPr>
-          <p:cNvPr id="41" name="TextBox 40">
-            <a:extLst>
-              <a:ext uri="{FF2B5EF4-FFF2-40B4-BE49-F238E27FC236}">
-                <a16:creationId xmlns:a16="http://schemas.microsoft.com/office/drawing/2014/main" id="{81FCA3BE-DA93-775E-2847-6476C88553CA}"/>
-              </a:ext>
-            </a:extLst>
-          </p:cNvPr>
-          <p:cNvSpPr txBox="1"/>
-          <p:nvPr/>
-        </p:nvSpPr>
-        <p:spPr>
-          <a:xfrm>
-            <a:off x="755910" y="3935143"/>
-            <a:ext cx="968727" cy="276999"/>
-          </a:xfrm>
-          <a:prstGeom prst="rect">
-            <a:avLst/>
-          </a:prstGeom>
-          <a:noFill/>
-        </p:spPr>
-        <p:txBody>
-          <a:bodyPr wrap="none" rtlCol="0">
-            <a:spAutoFit/>
-          </a:bodyPr>
-          <a:lstStyle/>
-          <a:p>
-            <a:r>
-              <a:rPr lang="en-US" sz="1200" dirty="0"/>
-              <a:t>Battery: --%</a:t>
-            </a:r>
-          </a:p>
-        </p:txBody>
-      </p:sp>
-    </p:spTree>
-    <p:extLst>
-      <p:ext uri="{BB962C8B-B14F-4D97-AF65-F5344CB8AC3E}">
-        <p14:creationId xmlns:p14="http://schemas.microsoft.com/office/powerpoint/2010/main" val="4286319542"/>
-      </p:ext>
-    </p:extLst>
-  </p:cSld>
-  <p:clrMapOvr>
-    <a:masterClrMapping/>
-  </p:clrMapOvr>
-</p:sld>
-</file>
-
-<file path=ppt/slides/slide3.xml><?xml version="1.0" encoding="utf-8"?>
-<p:sld xmlns:a="http://schemas.openxmlformats.org/drawingml/2006/main" xmlns:r="http://schemas.openxmlformats.org/officeDocument/2006/relationships" xmlns:p="http://schemas.openxmlformats.org/presentationml/2006/main">
-  <p:cSld>
-    <p:spTree>
-      <p:nvGrpSpPr>
         <p:cNvPr id="1" name="">
           <a:extLst>
             <a:ext uri="{FF2B5EF4-FFF2-40B4-BE49-F238E27FC236}">
@@ -4755,10 +4278,10 @@
       </p:pic>
       <p:sp>
         <p:nvSpPr>
-          <p:cNvPr id="4" name="Rectangle: Rounded Corners 3">
-            <a:extLst>
-              <a:ext uri="{FF2B5EF4-FFF2-40B4-BE49-F238E27FC236}">
-                <a16:creationId xmlns:a16="http://schemas.microsoft.com/office/drawing/2014/main" id="{172BC138-981E-0327-74C0-820EABAFC46F}"/>
+          <p:cNvPr id="43" name="Rectangle 42">
+            <a:extLst>
+              <a:ext uri="{FF2B5EF4-FFF2-40B4-BE49-F238E27FC236}">
+                <a16:creationId xmlns:a16="http://schemas.microsoft.com/office/drawing/2014/main" id="{19CAE2D5-1894-A0ED-B82A-4E9F59A6BBE7}"/>
               </a:ext>
             </a:extLst>
           </p:cNvPr>
@@ -4767,17 +4290,20 @@
         </p:nvSpPr>
         <p:spPr>
           <a:xfrm>
-            <a:off x="0" y="1104524"/>
-            <a:ext cx="5106154" cy="2544024"/>
-          </a:xfrm>
-          <a:prstGeom prst="roundRect">
-            <a:avLst>
-              <a:gd name="adj" fmla="val 2601"/>
-            </a:avLst>
+            <a:off x="0" y="1113575"/>
+            <a:ext cx="5106154" cy="5676523"/>
+          </a:xfrm>
+          <a:prstGeom prst="rect">
+            <a:avLst/>
           </a:prstGeom>
           <a:solidFill>
             <a:schemeClr val="bg1"/>
           </a:solidFill>
+          <a:ln>
+            <a:solidFill>
+              <a:schemeClr val="bg1"/>
+            </a:solidFill>
+          </a:ln>
         </p:spPr>
         <p:style>
           <a:lnRef idx="2">
@@ -4800,16 +4326,13 @@
           <a:lstStyle/>
           <a:p>
             <a:pPr algn="ctr"/>
-            <a:r>
-              <a:rPr lang="en-US" dirty="0"/>
-              <a:t>d</a:t>
-            </a:r>
-          </a:p>
-        </p:txBody>
-      </p:sp>
-      <p:sp>
-        <p:nvSpPr>
-          <p:cNvPr id="2" name="Rectangle: Rounded Corners 1">
+            <a:endParaRPr lang="en-US"/>
+          </a:p>
+        </p:txBody>
+      </p:sp>
+      <p:sp>
+        <p:nvSpPr>
+          <p:cNvPr id="45" name="Rectangle: Rounded Corners 44">
             <a:extLst>
               <a:ext uri="{FF2B5EF4-FFF2-40B4-BE49-F238E27FC236}">
                 <a16:creationId xmlns:a16="http://schemas.microsoft.com/office/drawing/2014/main" id="{653B102F-0ADF-756A-5D93-A57779915322}"/>
@@ -4821,7 +4344,7 @@
         </p:nvSpPr>
         <p:spPr>
           <a:xfrm>
-            <a:off x="184586" y="1221930"/>
+            <a:off x="157425" y="1267196"/>
             <a:ext cx="2283329" cy="754842"/>
           </a:xfrm>
           <a:prstGeom prst="roundRect">
@@ -4859,7 +4382,7 @@
       </p:sp>
       <p:sp>
         <p:nvSpPr>
-          <p:cNvPr id="7" name="TextBox 6">
+          <p:cNvPr id="46" name="TextBox 45">
             <a:extLst>
               <a:ext uri="{FF2B5EF4-FFF2-40B4-BE49-F238E27FC236}">
                 <a16:creationId xmlns:a16="http://schemas.microsoft.com/office/drawing/2014/main" id="{98B5F270-11AA-6355-8AFD-9A80064EC105}"/>
@@ -4871,7 +4394,7 @@
         </p:nvSpPr>
         <p:spPr>
           <a:xfrm>
-            <a:off x="903342" y="1424403"/>
+            <a:off x="876181" y="1469669"/>
             <a:ext cx="987771" cy="276999"/>
           </a:xfrm>
           <a:prstGeom prst="rect">
@@ -4894,7 +4417,7 @@
       </p:sp>
       <p:sp>
         <p:nvSpPr>
-          <p:cNvPr id="9" name="Rectangle: Rounded Corners 8">
+          <p:cNvPr id="47" name="Rectangle: Rounded Corners 46">
             <a:extLst>
               <a:ext uri="{FF2B5EF4-FFF2-40B4-BE49-F238E27FC236}">
                 <a16:creationId xmlns:a16="http://schemas.microsoft.com/office/drawing/2014/main" id="{3AC44E53-92C6-F2EA-14D9-35DE8715ED9E}"/>
@@ -4906,7 +4429,7 @@
         </p:nvSpPr>
         <p:spPr>
           <a:xfrm>
-            <a:off x="2645370" y="1221929"/>
+            <a:off x="2618209" y="1267195"/>
             <a:ext cx="2218099" cy="754842"/>
           </a:xfrm>
           <a:prstGeom prst="roundRect">
@@ -4944,7 +4467,7 @@
       </p:sp>
       <p:pic>
         <p:nvPicPr>
-          <p:cNvPr id="11" name="Picture 10" descr="A map with a pin on it&#10;&#10;AI-generated content may be incorrect.">
+          <p:cNvPr id="48" name="Picture 47" descr="A map with a pin on it&#10;&#10;AI-generated content may be incorrect.">
             <a:extLst>
               <a:ext uri="{FF2B5EF4-FFF2-40B4-BE49-F238E27FC236}">
                 <a16:creationId xmlns:a16="http://schemas.microsoft.com/office/drawing/2014/main" id="{FAE7CFDC-9DE4-044A-82A8-B8E5BF3B12DF}"/>
@@ -4970,7 +4493,7 @@
         </p:blipFill>
         <p:spPr>
           <a:xfrm>
-            <a:off x="2840806" y="1264938"/>
+            <a:off x="2813645" y="1310204"/>
             <a:ext cx="542358" cy="542358"/>
           </a:xfrm>
           <a:prstGeom prst="rect">
@@ -4980,7 +4503,7 @@
       </p:pic>
       <p:sp>
         <p:nvSpPr>
-          <p:cNvPr id="12" name="TextBox 11">
+          <p:cNvPr id="49" name="TextBox 48">
             <a:extLst>
               <a:ext uri="{FF2B5EF4-FFF2-40B4-BE49-F238E27FC236}">
                 <a16:creationId xmlns:a16="http://schemas.microsoft.com/office/drawing/2014/main" id="{A2FAABF7-6EB0-6214-C96B-680A506FA2C3}"/>
@@ -4992,7 +4515,7 @@
         </p:nvSpPr>
         <p:spPr>
           <a:xfrm>
-            <a:off x="3424891" y="1387483"/>
+            <a:off x="3397730" y="1432749"/>
             <a:ext cx="976934" cy="461665"/>
           </a:xfrm>
           <a:prstGeom prst="rect">
@@ -5021,7 +4544,7 @@
       </p:sp>
       <p:sp>
         <p:nvSpPr>
-          <p:cNvPr id="13" name="Rectangle: Rounded Corners 12">
+          <p:cNvPr id="50" name="Rectangle: Rounded Corners 49">
             <a:extLst>
               <a:ext uri="{FF2B5EF4-FFF2-40B4-BE49-F238E27FC236}">
                 <a16:creationId xmlns:a16="http://schemas.microsoft.com/office/drawing/2014/main" id="{AAF40E78-CA10-2669-2AA7-178EB9E2BF80}"/>
@@ -5033,7 +4556,7 @@
         </p:nvSpPr>
         <p:spPr>
           <a:xfrm>
-            <a:off x="184585" y="2043861"/>
+            <a:off x="157424" y="2089127"/>
             <a:ext cx="2283329" cy="754842"/>
           </a:xfrm>
           <a:prstGeom prst="roundRect">
@@ -5071,7 +4594,7 @@
       </p:sp>
       <p:pic>
         <p:nvPicPr>
-          <p:cNvPr id="14" name="Picture 13" descr="A yellow padlock with a keyhole&#10;&#10;AI-generated content may be incorrect.">
+          <p:cNvPr id="51" name="Picture 50" descr="A yellow padlock with a keyhole&#10;&#10;AI-generated content may be incorrect.">
             <a:extLst>
               <a:ext uri="{FF2B5EF4-FFF2-40B4-BE49-F238E27FC236}">
                 <a16:creationId xmlns:a16="http://schemas.microsoft.com/office/drawing/2014/main" id="{B8BA4FC4-A325-1480-3E05-87121D653327}"/>
@@ -5097,7 +4620,7 @@
         </p:blipFill>
         <p:spPr>
           <a:xfrm>
-            <a:off x="260238" y="2111155"/>
+            <a:off x="233077" y="2156421"/>
             <a:ext cx="542358" cy="542358"/>
           </a:xfrm>
           <a:prstGeom prst="rect">
@@ -5107,7 +4630,7 @@
       </p:pic>
       <p:sp>
         <p:nvSpPr>
-          <p:cNvPr id="15" name="TextBox 14">
+          <p:cNvPr id="52" name="TextBox 51">
             <a:extLst>
               <a:ext uri="{FF2B5EF4-FFF2-40B4-BE49-F238E27FC236}">
                 <a16:creationId xmlns:a16="http://schemas.microsoft.com/office/drawing/2014/main" id="{7E5F978F-1D88-3509-21FC-25E3CFA801FE}"/>
@@ -5119,7 +4642,7 @@
         </p:nvSpPr>
         <p:spPr>
           <a:xfrm>
-            <a:off x="844323" y="2307068"/>
+            <a:off x="817162" y="2352334"/>
             <a:ext cx="950068" cy="276999"/>
           </a:xfrm>
           <a:prstGeom prst="rect">
@@ -5142,7 +4665,7 @@
       </p:sp>
       <p:sp>
         <p:nvSpPr>
-          <p:cNvPr id="17" name="Rectangle: Rounded Corners 16">
+          <p:cNvPr id="53" name="Rectangle: Rounded Corners 52">
             <a:extLst>
               <a:ext uri="{FF2B5EF4-FFF2-40B4-BE49-F238E27FC236}">
                 <a16:creationId xmlns:a16="http://schemas.microsoft.com/office/drawing/2014/main" id="{29C14D87-5E10-B39A-0C63-160573B26855}"/>
@@ -5154,7 +4677,7 @@
         </p:nvSpPr>
         <p:spPr>
           <a:xfrm>
-            <a:off x="2652500" y="2034834"/>
+            <a:off x="2625339" y="2080100"/>
             <a:ext cx="2218100" cy="754842"/>
           </a:xfrm>
           <a:prstGeom prst="roundRect">
@@ -5192,7 +4715,7 @@
       </p:sp>
       <p:pic>
         <p:nvPicPr>
-          <p:cNvPr id="18" name="Picture 17" descr="A green battery with black background&#10;&#10;AI-generated content may be incorrect.">
+          <p:cNvPr id="54" name="Picture 53" descr="A green battery with black background&#10;&#10;AI-generated content may be incorrect.">
             <a:extLst>
               <a:ext uri="{FF2B5EF4-FFF2-40B4-BE49-F238E27FC236}">
                 <a16:creationId xmlns:a16="http://schemas.microsoft.com/office/drawing/2014/main" id="{CE97EB37-C094-D57B-B341-56D3EB306798}"/>
@@ -5218,7 +4741,7 @@
         </p:blipFill>
         <p:spPr>
           <a:xfrm>
-            <a:off x="2756066" y="2080008"/>
+            <a:off x="2728905" y="2125274"/>
             <a:ext cx="668825" cy="668825"/>
           </a:xfrm>
           <a:prstGeom prst="rect">
@@ -5228,7 +4751,7 @@
       </p:pic>
       <p:sp>
         <p:nvSpPr>
-          <p:cNvPr id="19" name="TextBox 18">
+          <p:cNvPr id="55" name="TextBox 54">
             <a:extLst>
               <a:ext uri="{FF2B5EF4-FFF2-40B4-BE49-F238E27FC236}">
                 <a16:creationId xmlns:a16="http://schemas.microsoft.com/office/drawing/2014/main" id="{6D81E233-2E67-69C8-FFAB-AE8C1526724A}"/>
@@ -5240,7 +4763,7 @@
         </p:nvSpPr>
         <p:spPr>
           <a:xfrm>
-            <a:off x="3362199" y="2275920"/>
+            <a:off x="3335038" y="2321186"/>
             <a:ext cx="968727" cy="276999"/>
           </a:xfrm>
           <a:prstGeom prst="rect">
@@ -5263,7 +4786,7 @@
       </p:sp>
       <p:sp>
         <p:nvSpPr>
-          <p:cNvPr id="21" name="Rectangle: Rounded Corners 20">
+          <p:cNvPr id="56" name="Rectangle: Rounded Corners 55">
             <a:extLst>
               <a:ext uri="{FF2B5EF4-FFF2-40B4-BE49-F238E27FC236}">
                 <a16:creationId xmlns:a16="http://schemas.microsoft.com/office/drawing/2014/main" id="{BCACCB89-8345-130A-EEE1-786B6250E8F4}"/>
@@ -5275,7 +4798,7 @@
         </p:nvSpPr>
         <p:spPr>
           <a:xfrm>
-            <a:off x="184585" y="2950060"/>
+            <a:off x="157424" y="2995326"/>
             <a:ext cx="1070922" cy="562436"/>
           </a:xfrm>
           <a:prstGeom prst="roundRect">
@@ -5312,7 +4835,7 @@
       </p:sp>
       <p:sp>
         <p:nvSpPr>
-          <p:cNvPr id="23" name="Rectangle: Rounded Corners 22">
+          <p:cNvPr id="57" name="Rectangle: Rounded Corners 56">
             <a:extLst>
               <a:ext uri="{FF2B5EF4-FFF2-40B4-BE49-F238E27FC236}">
                 <a16:creationId xmlns:a16="http://schemas.microsoft.com/office/drawing/2014/main" id="{BF5D9239-791A-B5C5-5B76-0CA507883EFE}"/>
@@ -5324,7 +4847,7 @@
         </p:nvSpPr>
         <p:spPr>
           <a:xfrm>
-            <a:off x="1393908" y="2947100"/>
+            <a:off x="1366747" y="2992366"/>
             <a:ext cx="1070922" cy="562436"/>
           </a:xfrm>
           <a:prstGeom prst="roundRect">
@@ -5361,7 +4884,7 @@
       </p:sp>
       <p:pic>
         <p:nvPicPr>
-          <p:cNvPr id="24" name="Picture 23" descr="A green wifi symbol on a black background&#10;&#10;AI-generated content may be incorrect.">
+          <p:cNvPr id="58" name="Picture 57" descr="A green wifi symbol on a black background&#10;&#10;AI-generated content may be incorrect.">
             <a:extLst>
               <a:ext uri="{FF2B5EF4-FFF2-40B4-BE49-F238E27FC236}">
                 <a16:creationId xmlns:a16="http://schemas.microsoft.com/office/drawing/2014/main" id="{404BE856-8FE6-51C5-4F60-ED1E493EC219}"/>
@@ -5387,7 +4910,7 @@
         </p:blipFill>
         <p:spPr>
           <a:xfrm>
-            <a:off x="1484930" y="3058452"/>
+            <a:off x="1457769" y="3103718"/>
             <a:ext cx="339731" cy="339731"/>
           </a:xfrm>
           <a:prstGeom prst="rect">
@@ -5397,7 +4920,7 @@
       </p:pic>
       <p:sp>
         <p:nvSpPr>
-          <p:cNvPr id="25" name="Rectangle: Rounded Corners 24">
+          <p:cNvPr id="59" name="Rectangle: Rounded Corners 58">
             <a:extLst>
               <a:ext uri="{FF2B5EF4-FFF2-40B4-BE49-F238E27FC236}">
                 <a16:creationId xmlns:a16="http://schemas.microsoft.com/office/drawing/2014/main" id="{6DE3D7D1-C54F-07D2-BD40-588D9EE5FEC8}"/>
@@ -5409,7 +4932,7 @@
         </p:nvSpPr>
         <p:spPr>
           <a:xfrm>
-            <a:off x="2569538" y="2937879"/>
+            <a:off x="2542377" y="2983145"/>
             <a:ext cx="1070922" cy="562436"/>
           </a:xfrm>
           <a:prstGeom prst="roundRect">
@@ -5446,7 +4969,7 @@
       </p:sp>
       <p:sp>
         <p:nvSpPr>
-          <p:cNvPr id="27" name="Rectangle: Rounded Corners 26">
+          <p:cNvPr id="60" name="Rectangle: Rounded Corners 59">
             <a:extLst>
               <a:ext uri="{FF2B5EF4-FFF2-40B4-BE49-F238E27FC236}">
                 <a16:creationId xmlns:a16="http://schemas.microsoft.com/office/drawing/2014/main" id="{911444E1-410C-2F68-4B90-B5072994AC3E}"/>
@@ -5458,7 +4981,7 @@
         </p:nvSpPr>
         <p:spPr>
           <a:xfrm>
-            <a:off x="3792547" y="2947100"/>
+            <a:off x="3765386" y="2992366"/>
             <a:ext cx="1070922" cy="562436"/>
           </a:xfrm>
           <a:prstGeom prst="roundRect">
@@ -5495,7 +5018,7 @@
       </p:sp>
       <p:pic>
         <p:nvPicPr>
-          <p:cNvPr id="29" name="Picture 28" descr="A black background with a black square&#10;&#10;AI-generated content may be incorrect.">
+          <p:cNvPr id="61" name="Picture 60" descr="A black background with a black square&#10;&#10;AI-generated content may be incorrect.">
             <a:extLst>
               <a:ext uri="{FF2B5EF4-FFF2-40B4-BE49-F238E27FC236}">
                 <a16:creationId xmlns:a16="http://schemas.microsoft.com/office/drawing/2014/main" id="{8045FB54-34DE-7980-683B-7CC6981EBE50}"/>
@@ -5521,7 +5044,7 @@
         </p:blipFill>
         <p:spPr>
           <a:xfrm>
-            <a:off x="882804" y="3129994"/>
+            <a:off x="855643" y="3175260"/>
             <a:ext cx="299006" cy="299006"/>
           </a:xfrm>
           <a:prstGeom prst="rect">
@@ -5531,7 +5054,7 @@
       </p:pic>
       <p:pic>
         <p:nvPicPr>
-          <p:cNvPr id="31" name="Picture 30" descr="A black background with a black square&#10;&#10;AI-generated content may be incorrect.">
+          <p:cNvPr id="62" name="Picture 61" descr="A black background with a black square&#10;&#10;AI-generated content may be incorrect.">
             <a:extLst>
               <a:ext uri="{FF2B5EF4-FFF2-40B4-BE49-F238E27FC236}">
                 <a16:creationId xmlns:a16="http://schemas.microsoft.com/office/drawing/2014/main" id="{0E9458F2-2B94-E948-F2FB-354A20465E50}"/>
@@ -5557,7 +5080,7 @@
         </p:blipFill>
         <p:spPr>
           <a:xfrm>
-            <a:off x="300677" y="1335210"/>
+            <a:off x="273516" y="1380476"/>
             <a:ext cx="513938" cy="513938"/>
           </a:xfrm>
           <a:prstGeom prst="rect">
@@ -5567,7 +5090,7 @@
       </p:pic>
       <p:pic>
         <p:nvPicPr>
-          <p:cNvPr id="34" name="Picture 33" descr="A thermometer with a black background&#10;&#10;AI-generated content may be incorrect.">
+          <p:cNvPr id="63" name="Picture 62" descr="A thermometer with a black background&#10;&#10;AI-generated content may be incorrect.">
             <a:extLst>
               <a:ext uri="{FF2B5EF4-FFF2-40B4-BE49-F238E27FC236}">
                 <a16:creationId xmlns:a16="http://schemas.microsoft.com/office/drawing/2014/main" id="{49ACD9AF-49A2-CCB4-2AC4-E286C6089DCD}"/>
@@ -5593,7 +5116,7 @@
         </p:blipFill>
         <p:spPr>
           <a:xfrm>
-            <a:off x="174234" y="3015545"/>
+            <a:off x="147073" y="3060811"/>
             <a:ext cx="407101" cy="407101"/>
           </a:xfrm>
           <a:prstGeom prst="rect">
@@ -5603,7 +5126,7 @@
       </p:pic>
       <p:pic>
         <p:nvPicPr>
-          <p:cNvPr id="36" name="Picture 35" descr="A black background with a black square&#10;&#10;AI-generated content may be incorrect.">
+          <p:cNvPr id="64" name="Picture 63" descr="A black background with a black square&#10;&#10;AI-generated content may be incorrect.">
             <a:extLst>
               <a:ext uri="{FF2B5EF4-FFF2-40B4-BE49-F238E27FC236}">
                 <a16:creationId xmlns:a16="http://schemas.microsoft.com/office/drawing/2014/main" id="{5990AEEF-4A4A-FB3D-56AA-16E7D0C94054}"/>
@@ -5629,7 +5152,7 @@
         </p:blipFill>
         <p:spPr>
           <a:xfrm>
-            <a:off x="2639928" y="2994842"/>
+            <a:off x="2612767" y="3040108"/>
             <a:ext cx="356770" cy="450551"/>
           </a:xfrm>
           <a:prstGeom prst="rect">
@@ -5639,7 +5162,7 @@
       </p:pic>
       <p:pic>
         <p:nvPicPr>
-          <p:cNvPr id="42" name="Picture 41" descr="A box with a white tape&#10;&#10;AI-generated content may be incorrect.">
+          <p:cNvPr id="65" name="Picture 64" descr="A box with a white tape&#10;&#10;AI-generated content may be incorrect.">
             <a:extLst>
               <a:ext uri="{FF2B5EF4-FFF2-40B4-BE49-F238E27FC236}">
                 <a16:creationId xmlns:a16="http://schemas.microsoft.com/office/drawing/2014/main" id="{E0A37FAF-D0EC-85D7-C436-5FC2269AB428}"/>
@@ -5665,7 +5188,7 @@
         </p:blipFill>
         <p:spPr>
           <a:xfrm>
-            <a:off x="3858738" y="3107150"/>
+            <a:off x="3831577" y="3152416"/>
             <a:ext cx="291033" cy="291033"/>
           </a:xfrm>
           <a:prstGeom prst="rect">
@@ -5673,10 +5196,328 @@
           </a:prstGeom>
         </p:spPr>
       </p:pic>
+      <p:sp>
+        <p:nvSpPr>
+          <p:cNvPr id="2" name="Rectangle: Rounded Corners 1">
+            <a:extLst>
+              <a:ext uri="{FF2B5EF4-FFF2-40B4-BE49-F238E27FC236}">
+                <a16:creationId xmlns:a16="http://schemas.microsoft.com/office/drawing/2014/main" id="{63321A35-70F7-34AC-5721-4349CCD19467}"/>
+              </a:ext>
+            </a:extLst>
+          </p:cNvPr>
+          <p:cNvSpPr/>
+          <p:nvPr/>
+        </p:nvSpPr>
+        <p:spPr>
+          <a:xfrm>
+            <a:off x="157425" y="3647846"/>
+            <a:ext cx="2280244" cy="754842"/>
+          </a:xfrm>
+          <a:prstGeom prst="roundRect">
+            <a:avLst/>
+          </a:prstGeom>
+          <a:solidFill>
+            <a:srgbClr val="FFC846"/>
+          </a:solidFill>
+        </p:spPr>
+        <p:style>
+          <a:lnRef idx="3">
+            <a:schemeClr val="lt1"/>
+          </a:lnRef>
+          <a:fillRef idx="1">
+            <a:schemeClr val="accent6"/>
+          </a:fillRef>
+          <a:effectRef idx="1">
+            <a:schemeClr val="accent6"/>
+          </a:effectRef>
+          <a:fontRef idx="minor">
+            <a:schemeClr val="lt1"/>
+          </a:fontRef>
+        </p:style>
+        <p:txBody>
+          <a:bodyPr rtlCol="0" anchor="ctr"/>
+          <a:lstStyle/>
+          <a:p>
+            <a:pPr algn="ctr"/>
+            <a:endParaRPr lang="en-US" dirty="0"/>
+          </a:p>
+        </p:txBody>
+      </p:sp>
+      <p:sp>
+        <p:nvSpPr>
+          <p:cNvPr id="4" name="Rectangle: Rounded Corners 3">
+            <a:extLst>
+              <a:ext uri="{FF2B5EF4-FFF2-40B4-BE49-F238E27FC236}">
+                <a16:creationId xmlns:a16="http://schemas.microsoft.com/office/drawing/2014/main" id="{DC435C5D-D8B1-3F3C-2777-5DD9A9C86D76}"/>
+              </a:ext>
+            </a:extLst>
+          </p:cNvPr>
+          <p:cNvSpPr/>
+          <p:nvPr/>
+        </p:nvSpPr>
+        <p:spPr>
+          <a:xfrm>
+            <a:off x="2542377" y="3647846"/>
+            <a:ext cx="2283329" cy="754842"/>
+          </a:xfrm>
+          <a:prstGeom prst="roundRect">
+            <a:avLst/>
+          </a:prstGeom>
+          <a:solidFill>
+            <a:srgbClr val="FFC849"/>
+          </a:solidFill>
+        </p:spPr>
+        <p:style>
+          <a:lnRef idx="3">
+            <a:schemeClr val="lt1"/>
+          </a:lnRef>
+          <a:fillRef idx="1">
+            <a:schemeClr val="accent6"/>
+          </a:fillRef>
+          <a:effectRef idx="1">
+            <a:schemeClr val="accent6"/>
+          </a:effectRef>
+          <a:fontRef idx="minor">
+            <a:schemeClr val="lt1"/>
+          </a:fontRef>
+        </p:style>
+        <p:txBody>
+          <a:bodyPr rtlCol="0" anchor="ctr"/>
+          <a:lstStyle/>
+          <a:p>
+            <a:pPr algn="ctr"/>
+            <a:endParaRPr lang="en-US" dirty="0"/>
+          </a:p>
+        </p:txBody>
+      </p:sp>
+      <p:sp>
+        <p:nvSpPr>
+          <p:cNvPr id="6" name="TextBox 5">
+            <a:extLst>
+              <a:ext uri="{FF2B5EF4-FFF2-40B4-BE49-F238E27FC236}">
+                <a16:creationId xmlns:a16="http://schemas.microsoft.com/office/drawing/2014/main" id="{6015FD03-EF62-5E63-AD9D-05A0E3BE130E}"/>
+              </a:ext>
+            </a:extLst>
+          </p:cNvPr>
+          <p:cNvSpPr txBox="1"/>
+          <p:nvPr/>
+        </p:nvSpPr>
+        <p:spPr>
+          <a:xfrm>
+            <a:off x="692885" y="3793843"/>
+            <a:ext cx="1500732" cy="461665"/>
+          </a:xfrm>
+          <a:prstGeom prst="rect">
+            <a:avLst/>
+          </a:prstGeom>
+          <a:noFill/>
+        </p:spPr>
+        <p:txBody>
+          <a:bodyPr wrap="none" rtlCol="0">
+            <a:spAutoFit/>
+          </a:bodyPr>
+          <a:lstStyle/>
+          <a:p>
+            <a:r>
+              <a:rPr lang="en-US" sz="1200" dirty="0"/>
+              <a:t>RFID: serial number</a:t>
+            </a:r>
+          </a:p>
+          <a:p>
+            <a:r>
+              <a:rPr lang="en-US" sz="1200" dirty="0"/>
+              <a:t>Last attempt: --:--:--</a:t>
+            </a:r>
+          </a:p>
+        </p:txBody>
+      </p:sp>
+      <p:sp>
+        <p:nvSpPr>
+          <p:cNvPr id="7" name="TextBox 6">
+            <a:extLst>
+              <a:ext uri="{FF2B5EF4-FFF2-40B4-BE49-F238E27FC236}">
+                <a16:creationId xmlns:a16="http://schemas.microsoft.com/office/drawing/2014/main" id="{1E738170-B260-D464-2328-0E54B8A2E533}"/>
+              </a:ext>
+            </a:extLst>
+          </p:cNvPr>
+          <p:cNvSpPr txBox="1"/>
+          <p:nvPr/>
+        </p:nvSpPr>
+        <p:spPr>
+          <a:xfrm>
+            <a:off x="3047247" y="3721972"/>
+            <a:ext cx="1677900" cy="830997"/>
+          </a:xfrm>
+          <a:prstGeom prst="rect">
+            <a:avLst/>
+          </a:prstGeom>
+          <a:noFill/>
+        </p:spPr>
+        <p:txBody>
+          <a:bodyPr wrap="square" rtlCol="0">
+            <a:spAutoFit/>
+          </a:bodyPr>
+          <a:lstStyle/>
+          <a:p>
+            <a:r>
+              <a:rPr lang="en-US" sz="1200" dirty="0"/>
+              <a:t>Zone: </a:t>
+            </a:r>
+          </a:p>
+          <a:p>
+            <a:r>
+              <a:rPr lang="en-US" sz="1200" dirty="0"/>
+              <a:t>Zone name/No Specified Zone</a:t>
+            </a:r>
+          </a:p>
+          <a:p>
+            <a:r>
+              <a:rPr lang="en-US" sz="1200" dirty="0"/>
+              <a:t> </a:t>
+            </a:r>
+          </a:p>
+        </p:txBody>
+      </p:sp>
+      <p:sp>
+        <p:nvSpPr>
+          <p:cNvPr id="8" name="Rectangle: Rounded Corners 7">
+            <a:extLst>
+              <a:ext uri="{FF2B5EF4-FFF2-40B4-BE49-F238E27FC236}">
+                <a16:creationId xmlns:a16="http://schemas.microsoft.com/office/drawing/2014/main" id="{6F3042D7-D29C-75E3-817E-C47D49A4F6D5}"/>
+              </a:ext>
+            </a:extLst>
+          </p:cNvPr>
+          <p:cNvSpPr/>
+          <p:nvPr/>
+        </p:nvSpPr>
+        <p:spPr>
+          <a:xfrm>
+            <a:off x="164575" y="4985211"/>
+            <a:ext cx="2280244" cy="754842"/>
+          </a:xfrm>
+          <a:prstGeom prst="roundRect">
+            <a:avLst/>
+          </a:prstGeom>
+          <a:solidFill>
+            <a:schemeClr val="accent5">
+              <a:lumMod val="20000"/>
+              <a:lumOff val="80000"/>
+            </a:schemeClr>
+          </a:solidFill>
+        </p:spPr>
+        <p:style>
+          <a:lnRef idx="3">
+            <a:schemeClr val="lt1"/>
+          </a:lnRef>
+          <a:fillRef idx="1">
+            <a:schemeClr val="accent6"/>
+          </a:fillRef>
+          <a:effectRef idx="1">
+            <a:schemeClr val="accent6"/>
+          </a:effectRef>
+          <a:fontRef idx="minor">
+            <a:schemeClr val="lt1"/>
+          </a:fontRef>
+        </p:style>
+        <p:txBody>
+          <a:bodyPr rtlCol="0" anchor="ctr"/>
+          <a:lstStyle/>
+          <a:p>
+            <a:pPr algn="ctr"/>
+            <a:r>
+              <a:rPr lang="en-US" dirty="0"/>
+              <a:t>Lock Command</a:t>
+            </a:r>
+          </a:p>
+        </p:txBody>
+      </p:sp>
+      <p:sp>
+        <p:nvSpPr>
+          <p:cNvPr id="16" name="Rectangle: Rounded Corners 15">
+            <a:extLst>
+              <a:ext uri="{FF2B5EF4-FFF2-40B4-BE49-F238E27FC236}">
+                <a16:creationId xmlns:a16="http://schemas.microsoft.com/office/drawing/2014/main" id="{AE95C70D-E420-B9FF-9BEF-65787AD17ECE}"/>
+              </a:ext>
+            </a:extLst>
+          </p:cNvPr>
+          <p:cNvSpPr/>
+          <p:nvPr/>
+        </p:nvSpPr>
+        <p:spPr>
+          <a:xfrm>
+            <a:off x="2543919" y="4972088"/>
+            <a:ext cx="2280244" cy="754842"/>
+          </a:xfrm>
+          <a:prstGeom prst="roundRect">
+            <a:avLst/>
+          </a:prstGeom>
+          <a:solidFill>
+            <a:schemeClr val="accent5">
+              <a:lumMod val="20000"/>
+              <a:lumOff val="80000"/>
+            </a:schemeClr>
+          </a:solidFill>
+        </p:spPr>
+        <p:style>
+          <a:lnRef idx="3">
+            <a:schemeClr val="lt1"/>
+          </a:lnRef>
+          <a:fillRef idx="1">
+            <a:schemeClr val="accent6"/>
+          </a:fillRef>
+          <a:effectRef idx="1">
+            <a:schemeClr val="accent6"/>
+          </a:effectRef>
+          <a:fontRef idx="minor">
+            <a:schemeClr val="lt1"/>
+          </a:fontRef>
+        </p:style>
+        <p:txBody>
+          <a:bodyPr rtlCol="0" anchor="ctr"/>
+          <a:lstStyle/>
+          <a:p>
+            <a:pPr algn="ctr"/>
+            <a:r>
+              <a:rPr lang="en-US" dirty="0"/>
+              <a:t>Wake-Up Interval Time</a:t>
+            </a:r>
+          </a:p>
+        </p:txBody>
+      </p:sp>
     </p:spTree>
     <p:extLst>
       <p:ext uri="{BB962C8B-B14F-4D97-AF65-F5344CB8AC3E}">
         <p14:creationId xmlns:p14="http://schemas.microsoft.com/office/powerpoint/2010/main" val="2346812855"/>
+      </p:ext>
+    </p:extLst>
+  </p:cSld>
+  <p:clrMapOvr>
+    <a:masterClrMapping/>
+  </p:clrMapOvr>
+</p:sld>
+</file>
+
+<file path=ppt/slides/slide3.xml><?xml version="1.0" encoding="utf-8"?>
+<p:sld xmlns:a="http://schemas.openxmlformats.org/drawingml/2006/main" xmlns:r="http://schemas.openxmlformats.org/officeDocument/2006/relationships" xmlns:p="http://schemas.openxmlformats.org/presentationml/2006/main">
+  <p:cSld>
+    <p:spTree>
+      <p:nvGrpSpPr>
+        <p:cNvPr id="1" name=""/>
+        <p:cNvGrpSpPr/>
+        <p:nvPr/>
+      </p:nvGrpSpPr>
+      <p:grpSpPr>
+        <a:xfrm>
+          <a:off x="0" y="0"/>
+          <a:ext cx="0" cy="0"/>
+          <a:chOff x="0" y="0"/>
+          <a:chExt cx="0" cy="0"/>
+        </a:xfrm>
+      </p:grpSpPr>
+    </p:spTree>
+    <p:extLst>
+      <p:ext uri="{BB962C8B-B14F-4D97-AF65-F5344CB8AC3E}">
+        <p14:creationId xmlns:p14="http://schemas.microsoft.com/office/powerpoint/2010/main" val="3342808277"/>
       </p:ext>
     </p:extLst>
   </p:cSld>

--- a/Structure/website template.pptx
+++ b/Structure/website template.pptx
@@ -5,9 +5,8 @@
     <p:sldMasterId id="2147483648" r:id="rId1"/>
   </p:sldMasterIdLst>
   <p:sldIdLst>
-    <p:sldId id="257" r:id="rId2"/>
-    <p:sldId id="259" r:id="rId3"/>
-    <p:sldId id="260" r:id="rId4"/>
+    <p:sldId id="259" r:id="rId2"/>
+    <p:sldId id="260" r:id="rId3"/>
   </p:sldIdLst>
   <p:sldSz cx="12192000" cy="6858000"/>
   <p:notesSz cx="6858000" cy="9144000"/>
@@ -261,7 +260,7 @@
           <a:p>
             <a:fld id="{72A28554-B4A5-4CA1-9813-86FC5337F85E}" type="datetimeFigureOut">
               <a:rPr lang="en-US" smtClean="0"/>
-              <a:t>8/23/2025</a:t>
+              <a:t>10/11/2025</a:t>
             </a:fld>
             <a:endParaRPr lang="en-US"/>
           </a:p>
@@ -459,7 +458,7 @@
           <a:p>
             <a:fld id="{72A28554-B4A5-4CA1-9813-86FC5337F85E}" type="datetimeFigureOut">
               <a:rPr lang="en-US" smtClean="0"/>
-              <a:t>8/23/2025</a:t>
+              <a:t>10/11/2025</a:t>
             </a:fld>
             <a:endParaRPr lang="en-US"/>
           </a:p>
@@ -667,7 +666,7 @@
           <a:p>
             <a:fld id="{72A28554-B4A5-4CA1-9813-86FC5337F85E}" type="datetimeFigureOut">
               <a:rPr lang="en-US" smtClean="0"/>
-              <a:t>8/23/2025</a:t>
+              <a:t>10/11/2025</a:t>
             </a:fld>
             <a:endParaRPr lang="en-US"/>
           </a:p>
@@ -865,7 +864,7 @@
           <a:p>
             <a:fld id="{72A28554-B4A5-4CA1-9813-86FC5337F85E}" type="datetimeFigureOut">
               <a:rPr lang="en-US" smtClean="0"/>
-              <a:t>8/23/2025</a:t>
+              <a:t>10/11/2025</a:t>
             </a:fld>
             <a:endParaRPr lang="en-US"/>
           </a:p>
@@ -1140,7 +1139,7 @@
           <a:p>
             <a:fld id="{72A28554-B4A5-4CA1-9813-86FC5337F85E}" type="datetimeFigureOut">
               <a:rPr lang="en-US" smtClean="0"/>
-              <a:t>8/23/2025</a:t>
+              <a:t>10/11/2025</a:t>
             </a:fld>
             <a:endParaRPr lang="en-US"/>
           </a:p>
@@ -1405,7 +1404,7 @@
           <a:p>
             <a:fld id="{72A28554-B4A5-4CA1-9813-86FC5337F85E}" type="datetimeFigureOut">
               <a:rPr lang="en-US" smtClean="0"/>
-              <a:t>8/23/2025</a:t>
+              <a:t>10/11/2025</a:t>
             </a:fld>
             <a:endParaRPr lang="en-US"/>
           </a:p>
@@ -1817,7 +1816,7 @@
           <a:p>
             <a:fld id="{72A28554-B4A5-4CA1-9813-86FC5337F85E}" type="datetimeFigureOut">
               <a:rPr lang="en-US" smtClean="0"/>
-              <a:t>8/23/2025</a:t>
+              <a:t>10/11/2025</a:t>
             </a:fld>
             <a:endParaRPr lang="en-US"/>
           </a:p>
@@ -1958,7 +1957,7 @@
           <a:p>
             <a:fld id="{72A28554-B4A5-4CA1-9813-86FC5337F85E}" type="datetimeFigureOut">
               <a:rPr lang="en-US" smtClean="0"/>
-              <a:t>8/23/2025</a:t>
+              <a:t>10/11/2025</a:t>
             </a:fld>
             <a:endParaRPr lang="en-US"/>
           </a:p>
@@ -2071,7 +2070,7 @@
           <a:p>
             <a:fld id="{72A28554-B4A5-4CA1-9813-86FC5337F85E}" type="datetimeFigureOut">
               <a:rPr lang="en-US" smtClean="0"/>
-              <a:t>8/23/2025</a:t>
+              <a:t>10/11/2025</a:t>
             </a:fld>
             <a:endParaRPr lang="en-US"/>
           </a:p>
@@ -2382,7 +2381,7 @@
           <a:p>
             <a:fld id="{72A28554-B4A5-4CA1-9813-86FC5337F85E}" type="datetimeFigureOut">
               <a:rPr lang="en-US" smtClean="0"/>
-              <a:t>8/23/2025</a:t>
+              <a:t>10/11/2025</a:t>
             </a:fld>
             <a:endParaRPr lang="en-US"/>
           </a:p>
@@ -2670,7 +2669,7 @@
           <a:p>
             <a:fld id="{72A28554-B4A5-4CA1-9813-86FC5337F85E}" type="datetimeFigureOut">
               <a:rPr lang="en-US" smtClean="0"/>
-              <a:t>8/23/2025</a:t>
+              <a:t>10/11/2025</a:t>
             </a:fld>
             <a:endParaRPr lang="en-US"/>
           </a:p>
@@ -2911,7 +2910,7 @@
           <a:p>
             <a:fld id="{72A28554-B4A5-4CA1-9813-86FC5337F85E}" type="datetimeFigureOut">
               <a:rPr lang="en-US" smtClean="0"/>
-              <a:t>8/23/2025</a:t>
+              <a:t>10/11/2025</a:t>
             </a:fld>
             <a:endParaRPr lang="en-US"/>
           </a:p>
@@ -3316,917 +3315,6 @@
   <p:cSld>
     <p:spTree>
       <p:nvGrpSpPr>
-        <p:cNvPr id="1" name=""/>
-        <p:cNvGrpSpPr/>
-        <p:nvPr/>
-      </p:nvGrpSpPr>
-      <p:grpSpPr>
-        <a:xfrm>
-          <a:off x="0" y="0"/>
-          <a:ext cx="0" cy="0"/>
-          <a:chOff x="0" y="0"/>
-          <a:chExt cx="0" cy="0"/>
-        </a:xfrm>
-      </p:grpSpPr>
-      <p:sp>
-        <p:nvSpPr>
-          <p:cNvPr id="2" name="Rectangle 1">
-            <a:extLst>
-              <a:ext uri="{FF2B5EF4-FFF2-40B4-BE49-F238E27FC236}">
-                <a16:creationId xmlns:a16="http://schemas.microsoft.com/office/drawing/2014/main" id="{247E5ED1-D027-D119-5036-A5B7BD0F8454}"/>
-              </a:ext>
-            </a:extLst>
-          </p:cNvPr>
-          <p:cNvSpPr/>
-          <p:nvPr/>
-        </p:nvSpPr>
-        <p:spPr>
-          <a:xfrm>
-            <a:off x="418289" y="321013"/>
-            <a:ext cx="11634281" cy="6381344"/>
-          </a:xfrm>
-          <a:prstGeom prst="rect">
-            <a:avLst/>
-          </a:prstGeom>
-          <a:solidFill>
-            <a:schemeClr val="bg1">
-              <a:lumMod val="95000"/>
-            </a:schemeClr>
-          </a:solidFill>
-          <a:ln>
-            <a:solidFill>
-              <a:schemeClr val="tx1"/>
-            </a:solidFill>
-          </a:ln>
-        </p:spPr>
-        <p:style>
-          <a:lnRef idx="2">
-            <a:schemeClr val="accent6"/>
-          </a:lnRef>
-          <a:fillRef idx="1">
-            <a:schemeClr val="lt1"/>
-          </a:fillRef>
-          <a:effectRef idx="0">
-            <a:schemeClr val="accent6"/>
-          </a:effectRef>
-          <a:fontRef idx="minor">
-            <a:schemeClr val="dk1"/>
-          </a:fontRef>
-        </p:style>
-        <p:txBody>
-          <a:bodyPr rtlCol="0" anchor="ctr"/>
-          <a:lstStyle/>
-          <a:p>
-            <a:pPr algn="ctr"/>
-            <a:endParaRPr lang="en-US" dirty="0"/>
-          </a:p>
-        </p:txBody>
-      </p:sp>
-      <p:sp>
-        <p:nvSpPr>
-          <p:cNvPr id="3" name="Rectangle 2">
-            <a:extLst>
-              <a:ext uri="{FF2B5EF4-FFF2-40B4-BE49-F238E27FC236}">
-                <a16:creationId xmlns:a16="http://schemas.microsoft.com/office/drawing/2014/main" id="{E14D2897-3D69-9576-D193-A1FEE62B308B}"/>
-              </a:ext>
-            </a:extLst>
-          </p:cNvPr>
-          <p:cNvSpPr/>
-          <p:nvPr/>
-        </p:nvSpPr>
-        <p:spPr>
-          <a:xfrm>
-            <a:off x="6653719" y="535020"/>
-            <a:ext cx="5197813" cy="5872265"/>
-          </a:xfrm>
-          <a:prstGeom prst="rect">
-            <a:avLst/>
-          </a:prstGeom>
-        </p:spPr>
-        <p:style>
-          <a:lnRef idx="2">
-            <a:schemeClr val="accent1">
-              <a:shade val="15000"/>
-            </a:schemeClr>
-          </a:lnRef>
-          <a:fillRef idx="1">
-            <a:schemeClr val="accent1"/>
-          </a:fillRef>
-          <a:effectRef idx="0">
-            <a:schemeClr val="accent1"/>
-          </a:effectRef>
-          <a:fontRef idx="minor">
-            <a:schemeClr val="lt1"/>
-          </a:fontRef>
-        </p:style>
-        <p:txBody>
-          <a:bodyPr rtlCol="0" anchor="ctr"/>
-          <a:lstStyle/>
-          <a:p>
-            <a:pPr algn="ctr"/>
-            <a:r>
-              <a:rPr lang="en-US" dirty="0"/>
-              <a:t>Google map view</a:t>
-            </a:r>
-          </a:p>
-          <a:p>
-            <a:pPr algn="ctr"/>
-            <a:endParaRPr lang="en-US" dirty="0"/>
-          </a:p>
-          <a:p>
-            <a:pPr algn="ctr"/>
-            <a:r>
-              <a:rPr lang="en-US" dirty="0"/>
-              <a:t>This view shows the incoming </a:t>
-            </a:r>
-            <a:r>
-              <a:rPr lang="en-US" dirty="0" err="1"/>
-              <a:t>lat</a:t>
-            </a:r>
-            <a:r>
-              <a:rPr lang="en-US" dirty="0"/>
-              <a:t>/long on map </a:t>
-            </a:r>
-          </a:p>
-        </p:txBody>
-      </p:sp>
-      <p:sp>
-        <p:nvSpPr>
-          <p:cNvPr id="4" name="Rectangle 3">
-            <a:extLst>
-              <a:ext uri="{FF2B5EF4-FFF2-40B4-BE49-F238E27FC236}">
-                <a16:creationId xmlns:a16="http://schemas.microsoft.com/office/drawing/2014/main" id="{EEC71BBE-0FC1-F124-5CD7-0B6F3CF93468}"/>
-              </a:ext>
-            </a:extLst>
-          </p:cNvPr>
-          <p:cNvSpPr/>
-          <p:nvPr/>
-        </p:nvSpPr>
-        <p:spPr>
-          <a:xfrm>
-            <a:off x="1655778" y="1944064"/>
-            <a:ext cx="3574330" cy="424775"/>
-          </a:xfrm>
-          <a:prstGeom prst="rect">
-            <a:avLst/>
-          </a:prstGeom>
-          <a:solidFill>
-            <a:schemeClr val="accent2"/>
-          </a:solidFill>
-        </p:spPr>
-        <p:style>
-          <a:lnRef idx="2">
-            <a:schemeClr val="accent1">
-              <a:shade val="15000"/>
-            </a:schemeClr>
-          </a:lnRef>
-          <a:fillRef idx="1">
-            <a:schemeClr val="accent1"/>
-          </a:fillRef>
-          <a:effectRef idx="0">
-            <a:schemeClr val="accent1"/>
-          </a:effectRef>
-          <a:fontRef idx="minor">
-            <a:schemeClr val="lt1"/>
-          </a:fontRef>
-        </p:style>
-        <p:txBody>
-          <a:bodyPr rtlCol="0" anchor="ctr"/>
-          <a:lstStyle/>
-          <a:p>
-            <a:pPr algn="ctr"/>
-            <a:r>
-              <a:rPr lang="en-US" dirty="0"/>
-              <a:t>Topic name to Subscribe from </a:t>
-            </a:r>
-          </a:p>
-        </p:txBody>
-      </p:sp>
-      <p:sp>
-        <p:nvSpPr>
-          <p:cNvPr id="5" name="Rectangle 4">
-            <a:extLst>
-              <a:ext uri="{FF2B5EF4-FFF2-40B4-BE49-F238E27FC236}">
-                <a16:creationId xmlns:a16="http://schemas.microsoft.com/office/drawing/2014/main" id="{A015F3C9-0B45-47AD-DF3C-7ECF93097E48}"/>
-              </a:ext>
-            </a:extLst>
-          </p:cNvPr>
-          <p:cNvSpPr/>
-          <p:nvPr/>
-        </p:nvSpPr>
-        <p:spPr>
-          <a:xfrm>
-            <a:off x="554477" y="2558367"/>
-            <a:ext cx="5898204" cy="1512653"/>
-          </a:xfrm>
-          <a:prstGeom prst="rect">
-            <a:avLst/>
-          </a:prstGeom>
-          <a:solidFill>
-            <a:schemeClr val="accent2">
-              <a:lumMod val="60000"/>
-              <a:lumOff val="40000"/>
-            </a:schemeClr>
-          </a:solidFill>
-        </p:spPr>
-        <p:style>
-          <a:lnRef idx="2">
-            <a:schemeClr val="accent1">
-              <a:shade val="15000"/>
-            </a:schemeClr>
-          </a:lnRef>
-          <a:fillRef idx="1">
-            <a:schemeClr val="accent1"/>
-          </a:fillRef>
-          <a:effectRef idx="0">
-            <a:schemeClr val="accent1"/>
-          </a:effectRef>
-          <a:fontRef idx="minor">
-            <a:schemeClr val="lt1"/>
-          </a:fontRef>
-        </p:style>
-        <p:txBody>
-          <a:bodyPr rtlCol="0" anchor="ctr"/>
-          <a:lstStyle/>
-          <a:p>
-            <a:pPr algn="ctr"/>
-            <a:r>
-              <a:rPr lang="en-US" dirty="0"/>
-              <a:t>Subscribed topic output</a:t>
-            </a:r>
-          </a:p>
-        </p:txBody>
-      </p:sp>
-      <p:sp>
-        <p:nvSpPr>
-          <p:cNvPr id="6" name="Rectangle 5">
-            <a:extLst>
-              <a:ext uri="{FF2B5EF4-FFF2-40B4-BE49-F238E27FC236}">
-                <a16:creationId xmlns:a16="http://schemas.microsoft.com/office/drawing/2014/main" id="{524167EA-C217-EA49-C76B-EE2C102A4DCB}"/>
-              </a:ext>
-            </a:extLst>
-          </p:cNvPr>
-          <p:cNvSpPr/>
-          <p:nvPr/>
-        </p:nvSpPr>
-        <p:spPr>
-          <a:xfrm>
-            <a:off x="1524995" y="4601029"/>
-            <a:ext cx="4927685" cy="424775"/>
-          </a:xfrm>
-          <a:prstGeom prst="rect">
-            <a:avLst/>
-          </a:prstGeom>
-          <a:solidFill>
-            <a:schemeClr val="accent5">
-              <a:lumMod val="60000"/>
-              <a:lumOff val="40000"/>
-            </a:schemeClr>
-          </a:solidFill>
-        </p:spPr>
-        <p:style>
-          <a:lnRef idx="2">
-            <a:schemeClr val="accent1">
-              <a:shade val="15000"/>
-            </a:schemeClr>
-          </a:lnRef>
-          <a:fillRef idx="1">
-            <a:schemeClr val="accent1"/>
-          </a:fillRef>
-          <a:effectRef idx="0">
-            <a:schemeClr val="accent1"/>
-          </a:effectRef>
-          <a:fontRef idx="minor">
-            <a:schemeClr val="lt1"/>
-          </a:fontRef>
-        </p:style>
-        <p:txBody>
-          <a:bodyPr rtlCol="0" anchor="ctr"/>
-          <a:lstStyle/>
-          <a:p>
-            <a:pPr algn="ctr"/>
-            <a:r>
-              <a:rPr lang="en-US" dirty="0"/>
-              <a:t>Topic name to publish on</a:t>
-            </a:r>
-          </a:p>
-        </p:txBody>
-      </p:sp>
-      <p:sp>
-        <p:nvSpPr>
-          <p:cNvPr id="7" name="Rectangle 6">
-            <a:extLst>
-              <a:ext uri="{FF2B5EF4-FFF2-40B4-BE49-F238E27FC236}">
-                <a16:creationId xmlns:a16="http://schemas.microsoft.com/office/drawing/2014/main" id="{851D6EB9-B8FC-D57E-1232-470595F4E500}"/>
-              </a:ext>
-            </a:extLst>
-          </p:cNvPr>
-          <p:cNvSpPr/>
-          <p:nvPr/>
-        </p:nvSpPr>
-        <p:spPr>
-          <a:xfrm>
-            <a:off x="691473" y="5214027"/>
-            <a:ext cx="5761207" cy="671208"/>
-          </a:xfrm>
-          <a:prstGeom prst="rect">
-            <a:avLst/>
-          </a:prstGeom>
-          <a:solidFill>
-            <a:schemeClr val="accent5">
-              <a:lumMod val="60000"/>
-              <a:lumOff val="40000"/>
-            </a:schemeClr>
-          </a:solidFill>
-        </p:spPr>
-        <p:style>
-          <a:lnRef idx="2">
-            <a:schemeClr val="accent1">
-              <a:shade val="15000"/>
-            </a:schemeClr>
-          </a:lnRef>
-          <a:fillRef idx="1">
-            <a:schemeClr val="accent1"/>
-          </a:fillRef>
-          <a:effectRef idx="0">
-            <a:schemeClr val="accent1"/>
-          </a:effectRef>
-          <a:fontRef idx="minor">
-            <a:schemeClr val="lt1"/>
-          </a:fontRef>
-        </p:style>
-        <p:txBody>
-          <a:bodyPr rtlCol="0" anchor="ctr"/>
-          <a:lstStyle/>
-          <a:p>
-            <a:pPr algn="ctr"/>
-            <a:r>
-              <a:rPr lang="en-US" dirty="0"/>
-              <a:t>Payload to publish</a:t>
-            </a:r>
-          </a:p>
-        </p:txBody>
-      </p:sp>
-      <p:sp>
-        <p:nvSpPr>
-          <p:cNvPr id="9" name="Rectangle 8">
-            <a:extLst>
-              <a:ext uri="{FF2B5EF4-FFF2-40B4-BE49-F238E27FC236}">
-                <a16:creationId xmlns:a16="http://schemas.microsoft.com/office/drawing/2014/main" id="{61DC60C0-08D7-41E4-456F-021393834884}"/>
-              </a:ext>
-            </a:extLst>
-          </p:cNvPr>
-          <p:cNvSpPr/>
-          <p:nvPr/>
-        </p:nvSpPr>
-        <p:spPr>
-          <a:xfrm>
-            <a:off x="1692711" y="553013"/>
-            <a:ext cx="1847304" cy="424775"/>
-          </a:xfrm>
-          <a:prstGeom prst="rect">
-            <a:avLst/>
-          </a:prstGeom>
-          <a:solidFill>
-            <a:schemeClr val="accent6">
-              <a:lumMod val="60000"/>
-              <a:lumOff val="40000"/>
-            </a:schemeClr>
-          </a:solidFill>
-        </p:spPr>
-        <p:style>
-          <a:lnRef idx="2">
-            <a:schemeClr val="accent1">
-              <a:shade val="15000"/>
-            </a:schemeClr>
-          </a:lnRef>
-          <a:fillRef idx="1">
-            <a:schemeClr val="accent1"/>
-          </a:fillRef>
-          <a:effectRef idx="0">
-            <a:schemeClr val="accent1"/>
-          </a:effectRef>
-          <a:fontRef idx="minor">
-            <a:schemeClr val="lt1"/>
-          </a:fontRef>
-        </p:style>
-        <p:txBody>
-          <a:bodyPr rtlCol="0" anchor="ctr"/>
-          <a:lstStyle/>
-          <a:p>
-            <a:pPr algn="ctr"/>
-            <a:r>
-              <a:rPr lang="en-US" dirty="0"/>
-              <a:t>input</a:t>
-            </a:r>
-          </a:p>
-        </p:txBody>
-      </p:sp>
-      <p:sp>
-        <p:nvSpPr>
-          <p:cNvPr id="13" name="Rectangle: Rounded Corners 12">
-            <a:extLst>
-              <a:ext uri="{FF2B5EF4-FFF2-40B4-BE49-F238E27FC236}">
-                <a16:creationId xmlns:a16="http://schemas.microsoft.com/office/drawing/2014/main" id="{DB3A372B-D96D-C483-6C50-3EDB458A070C}"/>
-              </a:ext>
-            </a:extLst>
-          </p:cNvPr>
-          <p:cNvSpPr/>
-          <p:nvPr/>
-        </p:nvSpPr>
-        <p:spPr>
-          <a:xfrm>
-            <a:off x="5370287" y="535021"/>
-            <a:ext cx="1082394" cy="442767"/>
-          </a:xfrm>
-          <a:prstGeom prst="roundRect">
-            <a:avLst/>
-          </a:prstGeom>
-          <a:solidFill>
-            <a:schemeClr val="accent6"/>
-          </a:solidFill>
-        </p:spPr>
-        <p:style>
-          <a:lnRef idx="2">
-            <a:schemeClr val="accent1">
-              <a:shade val="15000"/>
-            </a:schemeClr>
-          </a:lnRef>
-          <a:fillRef idx="1">
-            <a:schemeClr val="accent1"/>
-          </a:fillRef>
-          <a:effectRef idx="0">
-            <a:schemeClr val="accent1"/>
-          </a:effectRef>
-          <a:fontRef idx="minor">
-            <a:schemeClr val="lt1"/>
-          </a:fontRef>
-        </p:style>
-        <p:txBody>
-          <a:bodyPr rtlCol="0" anchor="ctr"/>
-          <a:lstStyle/>
-          <a:p>
-            <a:pPr algn="ctr"/>
-            <a:r>
-              <a:rPr lang="en-US" sz="1600" dirty="0"/>
-              <a:t>Connect</a:t>
-            </a:r>
-            <a:endParaRPr lang="en-US" dirty="0"/>
-          </a:p>
-        </p:txBody>
-      </p:sp>
-      <p:sp>
-        <p:nvSpPr>
-          <p:cNvPr id="14" name="Rectangle: Rounded Corners 13">
-            <a:extLst>
-              <a:ext uri="{FF2B5EF4-FFF2-40B4-BE49-F238E27FC236}">
-                <a16:creationId xmlns:a16="http://schemas.microsoft.com/office/drawing/2014/main" id="{8FA7300E-5A7A-01C3-3A8A-31374CB7A1DE}"/>
-              </a:ext>
-            </a:extLst>
-          </p:cNvPr>
-          <p:cNvSpPr/>
-          <p:nvPr/>
-        </p:nvSpPr>
-        <p:spPr>
-          <a:xfrm>
-            <a:off x="5370287" y="1949862"/>
-            <a:ext cx="1082394" cy="449988"/>
-          </a:xfrm>
-          <a:prstGeom prst="roundRect">
-            <a:avLst/>
-          </a:prstGeom>
-          <a:solidFill>
-            <a:schemeClr val="accent2">
-              <a:lumMod val="75000"/>
-            </a:schemeClr>
-          </a:solidFill>
-        </p:spPr>
-        <p:style>
-          <a:lnRef idx="2">
-            <a:schemeClr val="accent1">
-              <a:shade val="15000"/>
-            </a:schemeClr>
-          </a:lnRef>
-          <a:fillRef idx="1">
-            <a:schemeClr val="accent1"/>
-          </a:fillRef>
-          <a:effectRef idx="0">
-            <a:schemeClr val="accent1"/>
-          </a:effectRef>
-          <a:fontRef idx="minor">
-            <a:schemeClr val="lt1"/>
-          </a:fontRef>
-        </p:style>
-        <p:txBody>
-          <a:bodyPr rtlCol="0" anchor="ctr"/>
-          <a:lstStyle/>
-          <a:p>
-            <a:pPr algn="ctr"/>
-            <a:r>
-              <a:rPr lang="en-US" sz="1400" dirty="0"/>
-              <a:t>Subscribe</a:t>
-            </a:r>
-          </a:p>
-        </p:txBody>
-      </p:sp>
-      <p:sp>
-        <p:nvSpPr>
-          <p:cNvPr id="15" name="Rectangle: Rounded Corners 14">
-            <a:extLst>
-              <a:ext uri="{FF2B5EF4-FFF2-40B4-BE49-F238E27FC236}">
-                <a16:creationId xmlns:a16="http://schemas.microsoft.com/office/drawing/2014/main" id="{8134E35C-F776-4946-99E1-EAC14C4646E9}"/>
-              </a:ext>
-            </a:extLst>
-          </p:cNvPr>
-          <p:cNvSpPr/>
-          <p:nvPr/>
-        </p:nvSpPr>
-        <p:spPr>
-          <a:xfrm>
-            <a:off x="691473" y="5992238"/>
-            <a:ext cx="5739098" cy="415053"/>
-          </a:xfrm>
-          <a:prstGeom prst="roundRect">
-            <a:avLst/>
-          </a:prstGeom>
-          <a:solidFill>
-            <a:schemeClr val="accent5">
-              <a:lumMod val="75000"/>
-            </a:schemeClr>
-          </a:solidFill>
-        </p:spPr>
-        <p:style>
-          <a:lnRef idx="2">
-            <a:schemeClr val="accent1">
-              <a:shade val="15000"/>
-            </a:schemeClr>
-          </a:lnRef>
-          <a:fillRef idx="1">
-            <a:schemeClr val="accent1"/>
-          </a:fillRef>
-          <a:effectRef idx="0">
-            <a:schemeClr val="accent1"/>
-          </a:effectRef>
-          <a:fontRef idx="minor">
-            <a:schemeClr val="lt1"/>
-          </a:fontRef>
-        </p:style>
-        <p:txBody>
-          <a:bodyPr rtlCol="0" anchor="ctr"/>
-          <a:lstStyle/>
-          <a:p>
-            <a:pPr algn="ctr"/>
-            <a:r>
-              <a:rPr lang="en-US" dirty="0"/>
-              <a:t>Publish</a:t>
-            </a:r>
-          </a:p>
-        </p:txBody>
-      </p:sp>
-      <p:sp>
-        <p:nvSpPr>
-          <p:cNvPr id="8" name="TextBox 7">
-            <a:extLst>
-              <a:ext uri="{FF2B5EF4-FFF2-40B4-BE49-F238E27FC236}">
-                <a16:creationId xmlns:a16="http://schemas.microsoft.com/office/drawing/2014/main" id="{15471321-88BA-2A04-DEF6-6255C244CABE}"/>
-              </a:ext>
-            </a:extLst>
-          </p:cNvPr>
-          <p:cNvSpPr txBox="1"/>
-          <p:nvPr/>
-        </p:nvSpPr>
-        <p:spPr>
-          <a:xfrm>
-            <a:off x="466029" y="587540"/>
-            <a:ext cx="1226682" cy="369332"/>
-          </a:xfrm>
-          <a:prstGeom prst="rect">
-            <a:avLst/>
-          </a:prstGeom>
-          <a:noFill/>
-        </p:spPr>
-        <p:txBody>
-          <a:bodyPr wrap="none" rtlCol="0">
-            <a:spAutoFit/>
-          </a:bodyPr>
-          <a:lstStyle/>
-          <a:p>
-            <a:r>
-              <a:rPr lang="en-US" dirty="0"/>
-              <a:t>IP address</a:t>
-            </a:r>
-          </a:p>
-        </p:txBody>
-      </p:sp>
-      <p:sp>
-        <p:nvSpPr>
-          <p:cNvPr id="10" name="Rectangle 9">
-            <a:extLst>
-              <a:ext uri="{FF2B5EF4-FFF2-40B4-BE49-F238E27FC236}">
-                <a16:creationId xmlns:a16="http://schemas.microsoft.com/office/drawing/2014/main" id="{978AD62A-DCDF-600A-ACD6-0015D735B0D6}"/>
-              </a:ext>
-            </a:extLst>
-          </p:cNvPr>
-          <p:cNvSpPr/>
-          <p:nvPr/>
-        </p:nvSpPr>
-        <p:spPr>
-          <a:xfrm>
-            <a:off x="4155826" y="544749"/>
-            <a:ext cx="1074282" cy="424775"/>
-          </a:xfrm>
-          <a:prstGeom prst="rect">
-            <a:avLst/>
-          </a:prstGeom>
-          <a:solidFill>
-            <a:schemeClr val="accent6">
-              <a:lumMod val="60000"/>
-              <a:lumOff val="40000"/>
-            </a:schemeClr>
-          </a:solidFill>
-        </p:spPr>
-        <p:style>
-          <a:lnRef idx="2">
-            <a:schemeClr val="accent1">
-              <a:shade val="15000"/>
-            </a:schemeClr>
-          </a:lnRef>
-          <a:fillRef idx="1">
-            <a:schemeClr val="accent1"/>
-          </a:fillRef>
-          <a:effectRef idx="0">
-            <a:schemeClr val="accent1"/>
-          </a:effectRef>
-          <a:fontRef idx="minor">
-            <a:schemeClr val="lt1"/>
-          </a:fontRef>
-        </p:style>
-        <p:txBody>
-          <a:bodyPr rtlCol="0" anchor="ctr"/>
-          <a:lstStyle/>
-          <a:p>
-            <a:pPr algn="ctr"/>
-            <a:r>
-              <a:rPr lang="en-US" dirty="0"/>
-              <a:t>input</a:t>
-            </a:r>
-          </a:p>
-        </p:txBody>
-      </p:sp>
-      <p:sp>
-        <p:nvSpPr>
-          <p:cNvPr id="11" name="TextBox 10">
-            <a:extLst>
-              <a:ext uri="{FF2B5EF4-FFF2-40B4-BE49-F238E27FC236}">
-                <a16:creationId xmlns:a16="http://schemas.microsoft.com/office/drawing/2014/main" id="{69301D20-CC9D-AAB1-0086-EBB72AAF0EBA}"/>
-              </a:ext>
-            </a:extLst>
-          </p:cNvPr>
-          <p:cNvSpPr txBox="1"/>
-          <p:nvPr/>
-        </p:nvSpPr>
-        <p:spPr>
-          <a:xfrm>
-            <a:off x="3568659" y="580734"/>
-            <a:ext cx="587981" cy="369332"/>
-          </a:xfrm>
-          <a:prstGeom prst="rect">
-            <a:avLst/>
-          </a:prstGeom>
-          <a:noFill/>
-        </p:spPr>
-        <p:txBody>
-          <a:bodyPr wrap="none" rtlCol="0">
-            <a:spAutoFit/>
-          </a:bodyPr>
-          <a:lstStyle/>
-          <a:p>
-            <a:r>
-              <a:rPr lang="en-US" dirty="0"/>
-              <a:t>Port</a:t>
-            </a:r>
-          </a:p>
-        </p:txBody>
-      </p:sp>
-      <p:sp>
-        <p:nvSpPr>
-          <p:cNvPr id="12" name="Rectangle 11">
-            <a:extLst>
-              <a:ext uri="{FF2B5EF4-FFF2-40B4-BE49-F238E27FC236}">
-                <a16:creationId xmlns:a16="http://schemas.microsoft.com/office/drawing/2014/main" id="{29D6B153-B6D1-034F-49CD-14FF31E1AE6F}"/>
-              </a:ext>
-            </a:extLst>
-          </p:cNvPr>
-          <p:cNvSpPr/>
-          <p:nvPr/>
-        </p:nvSpPr>
-        <p:spPr>
-          <a:xfrm>
-            <a:off x="554477" y="1118678"/>
-            <a:ext cx="5898204" cy="424775"/>
-          </a:xfrm>
-          <a:prstGeom prst="rect">
-            <a:avLst/>
-          </a:prstGeom>
-          <a:solidFill>
-            <a:schemeClr val="accent6">
-              <a:lumMod val="60000"/>
-              <a:lumOff val="40000"/>
-            </a:schemeClr>
-          </a:solidFill>
-        </p:spPr>
-        <p:style>
-          <a:lnRef idx="2">
-            <a:schemeClr val="accent1">
-              <a:shade val="15000"/>
-            </a:schemeClr>
-          </a:lnRef>
-          <a:fillRef idx="1">
-            <a:schemeClr val="accent1"/>
-          </a:fillRef>
-          <a:effectRef idx="0">
-            <a:schemeClr val="accent1"/>
-          </a:effectRef>
-          <a:fontRef idx="minor">
-            <a:schemeClr val="lt1"/>
-          </a:fontRef>
-        </p:style>
-        <p:txBody>
-          <a:bodyPr rtlCol="0" anchor="ctr"/>
-          <a:lstStyle/>
-          <a:p>
-            <a:pPr algn="ctr"/>
-            <a:r>
-              <a:rPr lang="en-US" dirty="0"/>
-              <a:t>Connection Status</a:t>
-            </a:r>
-          </a:p>
-        </p:txBody>
-      </p:sp>
-      <p:sp>
-        <p:nvSpPr>
-          <p:cNvPr id="16" name="TextBox 15">
-            <a:extLst>
-              <a:ext uri="{FF2B5EF4-FFF2-40B4-BE49-F238E27FC236}">
-                <a16:creationId xmlns:a16="http://schemas.microsoft.com/office/drawing/2014/main" id="{D8D843AA-6F77-2E71-6D3D-1C4F719FBA4C}"/>
-              </a:ext>
-            </a:extLst>
-          </p:cNvPr>
-          <p:cNvSpPr txBox="1"/>
-          <p:nvPr/>
-        </p:nvSpPr>
-        <p:spPr>
-          <a:xfrm>
-            <a:off x="466029" y="1971786"/>
-            <a:ext cx="1189749" cy="369332"/>
-          </a:xfrm>
-          <a:prstGeom prst="rect">
-            <a:avLst/>
-          </a:prstGeom>
-          <a:noFill/>
-        </p:spPr>
-        <p:txBody>
-          <a:bodyPr wrap="none" rtlCol="0">
-            <a:spAutoFit/>
-          </a:bodyPr>
-          <a:lstStyle/>
-          <a:p>
-            <a:r>
-              <a:rPr lang="en-US" dirty="0"/>
-              <a:t>Subscribe</a:t>
-            </a:r>
-          </a:p>
-        </p:txBody>
-      </p:sp>
-      <p:cxnSp>
-        <p:nvCxnSpPr>
-          <p:cNvPr id="18" name="Straight Connector 17">
-            <a:extLst>
-              <a:ext uri="{FF2B5EF4-FFF2-40B4-BE49-F238E27FC236}">
-                <a16:creationId xmlns:a16="http://schemas.microsoft.com/office/drawing/2014/main" id="{D9327F0C-E577-EAD1-94E9-68EF20908DEC}"/>
-              </a:ext>
-            </a:extLst>
-          </p:cNvPr>
-          <p:cNvCxnSpPr>
-            <a:cxnSpLocks/>
-          </p:cNvCxnSpPr>
-          <p:nvPr/>
-        </p:nvCxnSpPr>
-        <p:spPr>
-          <a:xfrm>
-            <a:off x="554477" y="1770434"/>
-            <a:ext cx="5898204" cy="0"/>
-          </a:xfrm>
-          <a:prstGeom prst="line">
-            <a:avLst/>
-          </a:prstGeom>
-        </p:spPr>
-        <p:style>
-          <a:lnRef idx="2">
-            <a:schemeClr val="accent1"/>
-          </a:lnRef>
-          <a:fillRef idx="0">
-            <a:schemeClr val="accent1"/>
-          </a:fillRef>
-          <a:effectRef idx="1">
-            <a:schemeClr val="accent1"/>
-          </a:effectRef>
-          <a:fontRef idx="minor">
-            <a:schemeClr val="tx1"/>
-          </a:fontRef>
-        </p:style>
-      </p:cxnSp>
-      <p:cxnSp>
-        <p:nvCxnSpPr>
-          <p:cNvPr id="21" name="Straight Connector 20">
-            <a:extLst>
-              <a:ext uri="{FF2B5EF4-FFF2-40B4-BE49-F238E27FC236}">
-                <a16:creationId xmlns:a16="http://schemas.microsoft.com/office/drawing/2014/main" id="{EAC763FD-4F9E-7B23-4BEE-84A000A04C52}"/>
-              </a:ext>
-            </a:extLst>
-          </p:cNvPr>
-          <p:cNvCxnSpPr>
-            <a:cxnSpLocks/>
-          </p:cNvCxnSpPr>
-          <p:nvPr/>
-        </p:nvCxnSpPr>
-        <p:spPr>
-          <a:xfrm>
-            <a:off x="532367" y="4374204"/>
-            <a:ext cx="5898204" cy="0"/>
-          </a:xfrm>
-          <a:prstGeom prst="line">
-            <a:avLst/>
-          </a:prstGeom>
-        </p:spPr>
-        <p:style>
-          <a:lnRef idx="2">
-            <a:schemeClr val="accent1"/>
-          </a:lnRef>
-          <a:fillRef idx="0">
-            <a:schemeClr val="accent1"/>
-          </a:fillRef>
-          <a:effectRef idx="1">
-            <a:schemeClr val="accent1"/>
-          </a:effectRef>
-          <a:fontRef idx="minor">
-            <a:schemeClr val="tx1"/>
-          </a:fontRef>
-        </p:style>
-      </p:cxnSp>
-      <p:sp>
-        <p:nvSpPr>
-          <p:cNvPr id="22" name="TextBox 21">
-            <a:extLst>
-              <a:ext uri="{FF2B5EF4-FFF2-40B4-BE49-F238E27FC236}">
-                <a16:creationId xmlns:a16="http://schemas.microsoft.com/office/drawing/2014/main" id="{7D450230-CB02-3346-A608-7B4792211C12}"/>
-              </a:ext>
-            </a:extLst>
-          </p:cNvPr>
-          <p:cNvSpPr txBox="1"/>
-          <p:nvPr/>
-        </p:nvSpPr>
-        <p:spPr>
-          <a:xfrm>
-            <a:off x="554477" y="4628751"/>
-            <a:ext cx="921471" cy="369332"/>
-          </a:xfrm>
-          <a:prstGeom prst="rect">
-            <a:avLst/>
-          </a:prstGeom>
-          <a:noFill/>
-        </p:spPr>
-        <p:txBody>
-          <a:bodyPr wrap="none" rtlCol="0">
-            <a:spAutoFit/>
-          </a:bodyPr>
-          <a:lstStyle/>
-          <a:p>
-            <a:r>
-              <a:rPr lang="en-US" dirty="0"/>
-              <a:t>Publish</a:t>
-            </a:r>
-          </a:p>
-        </p:txBody>
-      </p:sp>
-    </p:spTree>
-    <p:extLst>
-      <p:ext uri="{BB962C8B-B14F-4D97-AF65-F5344CB8AC3E}">
-        <p14:creationId xmlns:p14="http://schemas.microsoft.com/office/powerpoint/2010/main" val="742488756"/>
-      </p:ext>
-    </p:extLst>
-  </p:cSld>
-  <p:clrMapOvr>
-    <a:masterClrMapping/>
-  </p:clrMapOvr>
-</p:sld>
-</file>
-
-<file path=ppt/slides/slide2.xml><?xml version="1.0" encoding="utf-8"?>
-<p:sld xmlns:a="http://schemas.openxmlformats.org/drawingml/2006/main" xmlns:r="http://schemas.openxmlformats.org/officeDocument/2006/relationships" xmlns:p="http://schemas.openxmlformats.org/presentationml/2006/main">
-  <p:cSld>
-    <p:spTree>
-      <p:nvGrpSpPr>
         <p:cNvPr id="1" name="">
           <a:extLst>
             <a:ext uri="{FF2B5EF4-FFF2-40B4-BE49-F238E27FC236}">
@@ -5497,7 +4585,7 @@
 </p:sld>
 </file>
 
-<file path=ppt/slides/slide3.xml><?xml version="1.0" encoding="utf-8"?>
+<file path=ppt/slides/slide2.xml><?xml version="1.0" encoding="utf-8"?>
 <p:sld xmlns:a="http://schemas.openxmlformats.org/drawingml/2006/main" xmlns:r="http://schemas.openxmlformats.org/officeDocument/2006/relationships" xmlns:p="http://schemas.openxmlformats.org/presentationml/2006/main">
   <p:cSld>
     <p:spTree>
